--- a/ppt/자바로 배우는 리팩토링 입문.pptx
+++ b/ppt/자바로 배우는 리팩토링 입문.pptx
@@ -5,7 +5,7 @@
     <p:sldMasterId id="2147483679" r:id="rId1"/>
   </p:sldMasterIdLst>
   <p:notesMasterIdLst>
-    <p:notesMasterId r:id="rId15"/>
+    <p:notesMasterId r:id="rId16"/>
   </p:notesMasterIdLst>
   <p:sldIdLst>
     <p:sldId id="256" r:id="rId2"/>
@@ -21,6 +21,7 @@
     <p:sldId id="266" r:id="rId12"/>
     <p:sldId id="267" r:id="rId13"/>
     <p:sldId id="268" r:id="rId14"/>
+    <p:sldId id="269" r:id="rId15"/>
   </p:sldIdLst>
   <p:sldSz cx="9144000" cy="5143500" type="screen16x9"/>
   <p:notesSz cx="6858000" cy="9144000"/>
@@ -145,9 +146,24 @@
         <p14:section name="매직 넘버를 기호 상수로 치환" id="{D9BB83E4-082B-4D7B-AB95-1A7736604440}">
           <p14:sldIdLst>
             <p14:sldId id="268"/>
+            <p14:sldId id="269"/>
           </p14:sldIdLst>
         </p14:section>
       </p14:sectionLst>
+    </p:ext>
+    <p:ext uri="{EFAFB233-063F-42B5-8137-9DF3F51BA10A}">
+      <p15:sldGuideLst xmlns:p15="http://schemas.microsoft.com/office/powerpoint/2012/main">
+        <p15:guide id="1" orient="horz" pos="1620">
+          <p15:clr>
+            <a:srgbClr val="A4A3A4"/>
+          </p15:clr>
+        </p15:guide>
+        <p15:guide id="2" pos="2880">
+          <p15:clr>
+            <a:srgbClr val="A4A3A4"/>
+          </p15:clr>
+        </p15:guide>
+      </p15:sldGuideLst>
     </p:ext>
   </p:extLst>
 </p:presentation>
@@ -4115,8 +4131,8 @@
     <dgm:cxn modelId="{233EDCC3-C742-4B47-AA1F-A16C998C0145}" srcId="{2338C84B-A56F-4A88-87DC-76CDF388A2A4}" destId="{EB74AB7A-B7C6-4E07-93D9-259A1B3C8E7C}" srcOrd="0" destOrd="0" parTransId="{3D5CA8F4-307C-4574-8BD1-18D562993475}" sibTransId="{F6361869-9F05-4B2E-A424-CD14460EAC6F}"/>
     <dgm:cxn modelId="{EBA4496A-5A80-414B-86B2-519D376CE886}" type="presOf" srcId="{EB74AB7A-B7C6-4E07-93D9-259A1B3C8E7C}" destId="{2E626BFE-BF1F-467C-9FEC-76785C8F0D47}" srcOrd="1" destOrd="0" presId="urn:microsoft.com/office/officeart/2005/8/layout/list1"/>
     <dgm:cxn modelId="{BE5F8FD5-2C66-4D23-9ACD-6939C691B7BA}" type="presOf" srcId="{AFB258AA-EF2B-4C93-ADB8-A9A8D63472BE}" destId="{20FDC689-8052-4DF4-9504-FE191B06A9E8}" srcOrd="1" destOrd="0" presId="urn:microsoft.com/office/officeart/2005/8/layout/list1"/>
+    <dgm:cxn modelId="{500BFDF1-DC0F-4BA5-B31A-C5609A911123}" type="presOf" srcId="{2338C84B-A56F-4A88-87DC-76CDF388A2A4}" destId="{429C4829-6AAC-46AF-B972-02EA605A1BD1}" srcOrd="0" destOrd="0" presId="urn:microsoft.com/office/officeart/2005/8/layout/list1"/>
     <dgm:cxn modelId="{2DEEF499-1C45-4365-A78D-5BAA0A50E5D1}" srcId="{2338C84B-A56F-4A88-87DC-76CDF388A2A4}" destId="{AFB258AA-EF2B-4C93-ADB8-A9A8D63472BE}" srcOrd="1" destOrd="0" parTransId="{B8EBB7B8-7200-4A60-937B-547DE83EBA32}" sibTransId="{A8F7850F-D920-4349-B158-34BE091EAD4E}"/>
-    <dgm:cxn modelId="{500BFDF1-DC0F-4BA5-B31A-C5609A911123}" type="presOf" srcId="{2338C84B-A56F-4A88-87DC-76CDF388A2A4}" destId="{429C4829-6AAC-46AF-B972-02EA605A1BD1}" srcOrd="0" destOrd="0" presId="urn:microsoft.com/office/officeart/2005/8/layout/list1"/>
     <dgm:cxn modelId="{EB0373D6-3649-4F3F-B780-C763B5D7DCD0}" type="presParOf" srcId="{429C4829-6AAC-46AF-B972-02EA605A1BD1}" destId="{D67AD226-75F6-4E1B-99AD-2A6B0DCCF38B}" srcOrd="0" destOrd="0" presId="urn:microsoft.com/office/officeart/2005/8/layout/list1"/>
     <dgm:cxn modelId="{4165BC0B-11B8-4483-85E8-5D16E036C0CB}" type="presParOf" srcId="{D67AD226-75F6-4E1B-99AD-2A6B0DCCF38B}" destId="{30066A8A-D277-4B9F-9D5C-ACB971CFF12B}" srcOrd="0" destOrd="0" presId="urn:microsoft.com/office/officeart/2005/8/layout/list1"/>
     <dgm:cxn modelId="{D38365F2-BB3E-48DA-A777-1E0A31A9AAF8}" type="presParOf" srcId="{D67AD226-75F6-4E1B-99AD-2A6B0DCCF38B}" destId="{2E626BFE-BF1F-467C-9FEC-76785C8F0D47}" srcOrd="1" destOrd="0" presId="urn:microsoft.com/office/officeart/2005/8/layout/list1"/>
@@ -4345,6 +4361,14 @@
         </dgm:presLayoutVars>
       </dgm:prSet>
       <dgm:spPr/>
+      <dgm:t>
+        <a:bodyPr/>
+        <a:lstStyle/>
+        <a:p>
+          <a:pPr latinLnBrk="1"/>
+          <a:endParaRPr lang="ko-KR" altLang="en-US"/>
+        </a:p>
+      </dgm:t>
     </dgm:pt>
     <dgm:pt modelId="{495309A6-8DEC-4A35-9508-6A8CC67062F3}" type="pres">
       <dgm:prSet presAssocID="{A6937323-8E2F-480E-B0F7-70C790F6F6A7}" presName="Name1" presStyleCnt="0"/>
@@ -4361,6 +4385,14 @@
     <dgm:pt modelId="{6DB4D42F-BA8D-4741-89CB-083C145CFD48}" type="pres">
       <dgm:prSet presAssocID="{A6937323-8E2F-480E-B0F7-70C790F6F6A7}" presName="conn" presStyleLbl="parChTrans1D2" presStyleIdx="0" presStyleCnt="1"/>
       <dgm:spPr/>
+      <dgm:t>
+        <a:bodyPr/>
+        <a:lstStyle/>
+        <a:p>
+          <a:pPr latinLnBrk="1"/>
+          <a:endParaRPr lang="ko-KR" altLang="en-US"/>
+        </a:p>
+      </dgm:t>
     </dgm:pt>
     <dgm:pt modelId="{BB620CE2-D280-4786-9537-D9C93E6FBD56}" type="pres">
       <dgm:prSet presAssocID="{A6937323-8E2F-480E-B0F7-70C790F6F6A7}" presName="extraNode" presStyleLbl="node1" presStyleIdx="0" presStyleCnt="3"/>
@@ -4377,6 +4409,14 @@
         </dgm:presLayoutVars>
       </dgm:prSet>
       <dgm:spPr/>
+      <dgm:t>
+        <a:bodyPr/>
+        <a:lstStyle/>
+        <a:p>
+          <a:pPr latinLnBrk="1"/>
+          <a:endParaRPr lang="ko-KR" altLang="en-US"/>
+        </a:p>
+      </dgm:t>
     </dgm:pt>
     <dgm:pt modelId="{C1906F07-2C51-43F9-A47A-941DCB3ECD40}" type="pres">
       <dgm:prSet presAssocID="{703357D9-C8FE-4343-BF7F-C8A09B9CAEC3}" presName="accent_1" presStyleCnt="0"/>
@@ -4393,6 +4433,14 @@
         </dgm:presLayoutVars>
       </dgm:prSet>
       <dgm:spPr/>
+      <dgm:t>
+        <a:bodyPr/>
+        <a:lstStyle/>
+        <a:p>
+          <a:pPr latinLnBrk="1"/>
+          <a:endParaRPr lang="ko-KR" altLang="en-US"/>
+        </a:p>
+      </dgm:t>
     </dgm:pt>
     <dgm:pt modelId="{29613440-2425-4041-8E7D-90963B43F11B}" type="pres">
       <dgm:prSet presAssocID="{FE786FC7-DC0E-49E1-A4AB-752F44132527}" presName="accent_2" presStyleCnt="0"/>
@@ -4409,6 +4457,14 @@
         </dgm:presLayoutVars>
       </dgm:prSet>
       <dgm:spPr/>
+      <dgm:t>
+        <a:bodyPr/>
+        <a:lstStyle/>
+        <a:p>
+          <a:pPr latinLnBrk="1"/>
+          <a:endParaRPr lang="ko-KR" altLang="en-US"/>
+        </a:p>
+      </dgm:t>
     </dgm:pt>
     <dgm:pt modelId="{9BA76EB1-5319-4F23-B55B-66C7B762C62C}" type="pres">
       <dgm:prSet presAssocID="{47C19F74-4CDA-40FA-A0F7-936B5ECC7605}" presName="accent_3" presStyleCnt="0"/>
@@ -4422,8 +4478,8 @@
   <dgm:cxnLst>
     <dgm:cxn modelId="{518A08F1-D2F6-4DE6-9062-2D0AB6B7C380}" type="presOf" srcId="{703357D9-C8FE-4343-BF7F-C8A09B9CAEC3}" destId="{571AAA4A-6B3A-42DD-9944-688CC83BDA2A}" srcOrd="0" destOrd="0" presId="urn:microsoft.com/office/officeart/2008/layout/VerticalCurvedList"/>
     <dgm:cxn modelId="{86B0243E-FB88-4656-ACE3-33636E29DF64}" type="presOf" srcId="{12A8B84A-F30A-4A98-BCED-147881D354A1}" destId="{6DB4D42F-BA8D-4741-89CB-083C145CFD48}" srcOrd="0" destOrd="0" presId="urn:microsoft.com/office/officeart/2008/layout/VerticalCurvedList"/>
+    <dgm:cxn modelId="{AFA84411-5944-4919-933C-974891E17706}" srcId="{A6937323-8E2F-480E-B0F7-70C790F6F6A7}" destId="{703357D9-C8FE-4343-BF7F-C8A09B9CAEC3}" srcOrd="0" destOrd="0" parTransId="{E2A1655A-7149-46FA-978E-D1374296F6F4}" sibTransId="{12A8B84A-F30A-4A98-BCED-147881D354A1}"/>
     <dgm:cxn modelId="{C5D7C6DE-4271-4FBD-8C08-16C8C3670763}" srcId="{A6937323-8E2F-480E-B0F7-70C790F6F6A7}" destId="{FE786FC7-DC0E-49E1-A4AB-752F44132527}" srcOrd="1" destOrd="0" parTransId="{3B5D4437-504B-4AAB-9892-6350529777B1}" sibTransId="{EA69580C-DEEC-4083-938D-CAC419F18167}"/>
-    <dgm:cxn modelId="{AFA84411-5944-4919-933C-974891E17706}" srcId="{A6937323-8E2F-480E-B0F7-70C790F6F6A7}" destId="{703357D9-C8FE-4343-BF7F-C8A09B9CAEC3}" srcOrd="0" destOrd="0" parTransId="{E2A1655A-7149-46FA-978E-D1374296F6F4}" sibTransId="{12A8B84A-F30A-4A98-BCED-147881D354A1}"/>
     <dgm:cxn modelId="{D8452753-8410-4E71-A6D5-060CA2041772}" srcId="{A6937323-8E2F-480E-B0F7-70C790F6F6A7}" destId="{47C19F74-4CDA-40FA-A0F7-936B5ECC7605}" srcOrd="2" destOrd="0" parTransId="{D2A63142-CDC6-4522-8F2B-0AEFD219CAB1}" sibTransId="{57BE044D-B219-4F8B-8329-8072EDF2D82C}"/>
     <dgm:cxn modelId="{E97ED14D-D807-4DEB-A6EE-275E72ED9F4A}" type="presOf" srcId="{FE786FC7-DC0E-49E1-A4AB-752F44132527}" destId="{3BFFAA52-E8BE-49BC-9934-9412B0FEF0F8}" srcOrd="0" destOrd="0" presId="urn:microsoft.com/office/officeart/2008/layout/VerticalCurvedList"/>
     <dgm:cxn modelId="{D61395EE-1462-4602-B14B-BD1032E6DB3B}" type="presOf" srcId="{A6937323-8E2F-480E-B0F7-70C790F6F6A7}" destId="{330AA884-5A2E-4E16-BBF3-0279E62BB38B}" srcOrd="0" destOrd="0" presId="urn:microsoft.com/office/officeart/2008/layout/VerticalCurvedList"/>
@@ -4588,6 +4644,14 @@
         </dgm:presLayoutVars>
       </dgm:prSet>
       <dgm:spPr/>
+      <dgm:t>
+        <a:bodyPr/>
+        <a:lstStyle/>
+        <a:p>
+          <a:pPr latinLnBrk="1"/>
+          <a:endParaRPr lang="ko-KR" altLang="en-US"/>
+        </a:p>
+      </dgm:t>
     </dgm:pt>
     <dgm:pt modelId="{BE9195D8-664F-4A4C-BAAF-D618114A7968}" type="pres">
       <dgm:prSet presAssocID="{703357D9-C8FE-4343-BF7F-C8A09B9CAEC3}" presName="noChildren" presStyleCnt="0"/>
@@ -4604,6 +4668,14 @@
     <dgm:pt modelId="{7F5075F5-34BB-4412-958B-AA326EC9F795}" type="pres">
       <dgm:prSet presAssocID="{703357D9-C8FE-4343-BF7F-C8A09B9CAEC3}" presName="txLvlOnly1" presStyleLbl="revTx" presStyleIdx="0" presStyleCnt="2"/>
       <dgm:spPr/>
+      <dgm:t>
+        <a:bodyPr/>
+        <a:lstStyle/>
+        <a:p>
+          <a:pPr latinLnBrk="1"/>
+          <a:endParaRPr lang="ko-KR" altLang="en-US"/>
+        </a:p>
+      </dgm:t>
     </dgm:pt>
     <dgm:pt modelId="{DC943D68-992D-4E76-B42B-3668E3B070FF}" type="pres">
       <dgm:prSet presAssocID="{FE786FC7-DC0E-49E1-A4AB-752F44132527}" presName="noChildren" presStyleCnt="0"/>
@@ -4620,14 +4692,22 @@
     <dgm:pt modelId="{BD7A304D-7661-4607-8CD1-BA6E0C02FE8F}" type="pres">
       <dgm:prSet presAssocID="{FE786FC7-DC0E-49E1-A4AB-752F44132527}" presName="txLvlOnly1" presStyleLbl="revTx" presStyleIdx="1" presStyleCnt="2"/>
       <dgm:spPr/>
+      <dgm:t>
+        <a:bodyPr/>
+        <a:lstStyle/>
+        <a:p>
+          <a:pPr latinLnBrk="1"/>
+          <a:endParaRPr lang="ko-KR" altLang="en-US"/>
+        </a:p>
+      </dgm:t>
     </dgm:pt>
   </dgm:ptLst>
   <dgm:cxnLst>
+    <dgm:cxn modelId="{AFA84411-5944-4919-933C-974891E17706}" srcId="{A6937323-8E2F-480E-B0F7-70C790F6F6A7}" destId="{703357D9-C8FE-4343-BF7F-C8A09B9CAEC3}" srcOrd="0" destOrd="0" parTransId="{E2A1655A-7149-46FA-978E-D1374296F6F4}" sibTransId="{12A8B84A-F30A-4A98-BCED-147881D354A1}"/>
+    <dgm:cxn modelId="{C5D7C6DE-4271-4FBD-8C08-16C8C3670763}" srcId="{A6937323-8E2F-480E-B0F7-70C790F6F6A7}" destId="{FE786FC7-DC0E-49E1-A4AB-752F44132527}" srcOrd="1" destOrd="0" parTransId="{3B5D4437-504B-4AAB-9892-6350529777B1}" sibTransId="{EA69580C-DEEC-4083-938D-CAC419F18167}"/>
+    <dgm:cxn modelId="{D1599F9B-911A-4739-9764-60A6CF1D60C2}" type="presOf" srcId="{FE786FC7-DC0E-49E1-A4AB-752F44132527}" destId="{BD7A304D-7661-4607-8CD1-BA6E0C02FE8F}" srcOrd="0" destOrd="0" presId="urn:microsoft.com/office/officeart/2008/layout/VerticalCircleList"/>
     <dgm:cxn modelId="{A670AE52-A141-476B-ADDF-256E92D93E39}" type="presOf" srcId="{703357D9-C8FE-4343-BF7F-C8A09B9CAEC3}" destId="{7F5075F5-34BB-4412-958B-AA326EC9F795}" srcOrd="0" destOrd="0" presId="urn:microsoft.com/office/officeart/2008/layout/VerticalCircleList"/>
     <dgm:cxn modelId="{C677EB27-6194-49A7-AE92-6E0E4DA80032}" type="presOf" srcId="{A6937323-8E2F-480E-B0F7-70C790F6F6A7}" destId="{79ADBB59-2C2C-46A0-9A80-321B26FA977D}" srcOrd="0" destOrd="0" presId="urn:microsoft.com/office/officeart/2008/layout/VerticalCircleList"/>
-    <dgm:cxn modelId="{AFA84411-5944-4919-933C-974891E17706}" srcId="{A6937323-8E2F-480E-B0F7-70C790F6F6A7}" destId="{703357D9-C8FE-4343-BF7F-C8A09B9CAEC3}" srcOrd="0" destOrd="0" parTransId="{E2A1655A-7149-46FA-978E-D1374296F6F4}" sibTransId="{12A8B84A-F30A-4A98-BCED-147881D354A1}"/>
-    <dgm:cxn modelId="{D1599F9B-911A-4739-9764-60A6CF1D60C2}" type="presOf" srcId="{FE786FC7-DC0E-49E1-A4AB-752F44132527}" destId="{BD7A304D-7661-4607-8CD1-BA6E0C02FE8F}" srcOrd="0" destOrd="0" presId="urn:microsoft.com/office/officeart/2008/layout/VerticalCircleList"/>
-    <dgm:cxn modelId="{C5D7C6DE-4271-4FBD-8C08-16C8C3670763}" srcId="{A6937323-8E2F-480E-B0F7-70C790F6F6A7}" destId="{FE786FC7-DC0E-49E1-A4AB-752F44132527}" srcOrd="1" destOrd="0" parTransId="{3B5D4437-504B-4AAB-9892-6350529777B1}" sibTransId="{EA69580C-DEEC-4083-938D-CAC419F18167}"/>
     <dgm:cxn modelId="{3D7ED99C-E121-4B91-96FD-2E93CE394965}" type="presParOf" srcId="{79ADBB59-2C2C-46A0-9A80-321B26FA977D}" destId="{BE9195D8-664F-4A4C-BAAF-D618114A7968}" srcOrd="0" destOrd="0" presId="urn:microsoft.com/office/officeart/2008/layout/VerticalCircleList"/>
     <dgm:cxn modelId="{DDFB282D-AE14-4A72-8A72-877CD1E4D3C2}" type="presParOf" srcId="{BE9195D8-664F-4A4C-BAAF-D618114A7968}" destId="{DDACC454-AE30-4E06-A9D7-5727DA5E1C0A}" srcOrd="0" destOrd="0" presId="urn:microsoft.com/office/officeart/2008/layout/VerticalCircleList"/>
     <dgm:cxn modelId="{0D3FCA84-77A2-4551-ACB9-2D22EC11D571}" type="presParOf" srcId="{BE9195D8-664F-4A4C-BAAF-D618114A7968}" destId="{FAF03B83-A590-40A0-8E2A-354D80D73D9A}" srcOrd="1" destOrd="0" presId="urn:microsoft.com/office/officeart/2008/layout/VerticalCircleList"/>
@@ -4952,6 +5032,14 @@
         </dgm:presLayoutVars>
       </dgm:prSet>
       <dgm:spPr/>
+      <dgm:t>
+        <a:bodyPr/>
+        <a:lstStyle/>
+        <a:p>
+          <a:pPr latinLnBrk="1"/>
+          <a:endParaRPr lang="ko-KR" altLang="en-US"/>
+        </a:p>
+      </dgm:t>
     </dgm:pt>
     <dgm:pt modelId="{FC3B118D-B353-43EE-87CB-D8A20E69CFBA}" type="pres">
       <dgm:prSet presAssocID="{6E7D4028-20D2-4F65-A227-EEA642DFD08E}" presName="centerShape" presStyleLbl="node0" presStyleIdx="0" presStyleCnt="1"/>
@@ -4968,6 +5056,14 @@
     <dgm:pt modelId="{7B68094F-93D8-478F-8E6F-72911A8612C7}" type="pres">
       <dgm:prSet presAssocID="{1FC42C72-9B07-4234-AAA2-15780A8A583C}" presName="parTrans" presStyleLbl="bgSibTrans2D1" presStyleIdx="0" presStyleCnt="4"/>
       <dgm:spPr/>
+      <dgm:t>
+        <a:bodyPr/>
+        <a:lstStyle/>
+        <a:p>
+          <a:pPr latinLnBrk="1"/>
+          <a:endParaRPr lang="ko-KR" altLang="en-US"/>
+        </a:p>
+      </dgm:t>
     </dgm:pt>
     <dgm:pt modelId="{EEC2D575-538C-476E-9A68-933BB1FC9B87}" type="pres">
       <dgm:prSet presAssocID="{5C35208B-0D42-490D-94ED-F35E7E96B7E5}" presName="node" presStyleLbl="node1" presStyleIdx="0" presStyleCnt="4" custScaleX="120835" custScaleY="49895" custRadScaleRad="134978" custRadScaleInc="4599">
@@ -4976,10 +5072,26 @@
         </dgm:presLayoutVars>
       </dgm:prSet>
       <dgm:spPr/>
+      <dgm:t>
+        <a:bodyPr/>
+        <a:lstStyle/>
+        <a:p>
+          <a:pPr latinLnBrk="1"/>
+          <a:endParaRPr lang="ko-KR" altLang="en-US"/>
+        </a:p>
+      </dgm:t>
     </dgm:pt>
     <dgm:pt modelId="{169D0923-20F3-4E26-B711-588CD4161CD5}" type="pres">
       <dgm:prSet presAssocID="{4F14B105-95D9-4C88-A52C-97B60D627F88}" presName="parTrans" presStyleLbl="bgSibTrans2D1" presStyleIdx="1" presStyleCnt="4"/>
       <dgm:spPr/>
+      <dgm:t>
+        <a:bodyPr/>
+        <a:lstStyle/>
+        <a:p>
+          <a:pPr latinLnBrk="1"/>
+          <a:endParaRPr lang="ko-KR" altLang="en-US"/>
+        </a:p>
+      </dgm:t>
     </dgm:pt>
     <dgm:pt modelId="{9B0A5B95-EB15-41E5-806A-2632E256543A}" type="pres">
       <dgm:prSet presAssocID="{BF1799BB-80A7-4C3B-A7D8-780EB18F370B}" presName="node" presStyleLbl="node1" presStyleIdx="1" presStyleCnt="4" custScaleX="120835" custScaleY="49895" custRadScaleRad="108184" custRadScaleInc="-15985">
@@ -4988,10 +5100,26 @@
         </dgm:presLayoutVars>
       </dgm:prSet>
       <dgm:spPr/>
+      <dgm:t>
+        <a:bodyPr/>
+        <a:lstStyle/>
+        <a:p>
+          <a:pPr latinLnBrk="1"/>
+          <a:endParaRPr lang="ko-KR" altLang="en-US"/>
+        </a:p>
+      </dgm:t>
     </dgm:pt>
     <dgm:pt modelId="{7AF8D95F-AB4F-412A-8239-B6E46F69B486}" type="pres">
       <dgm:prSet presAssocID="{FF974BDE-63B0-4D61-B931-ABFFE8BFB047}" presName="parTrans" presStyleLbl="bgSibTrans2D1" presStyleIdx="2" presStyleCnt="4"/>
       <dgm:spPr/>
+      <dgm:t>
+        <a:bodyPr/>
+        <a:lstStyle/>
+        <a:p>
+          <a:pPr latinLnBrk="1"/>
+          <a:endParaRPr lang="ko-KR" altLang="en-US"/>
+        </a:p>
+      </dgm:t>
     </dgm:pt>
     <dgm:pt modelId="{040C17D5-4E21-4CE6-B4DD-443772B50B83}" type="pres">
       <dgm:prSet presAssocID="{69457BFA-25A9-4BA8-B0E3-155265680910}" presName="node" presStyleLbl="node1" presStyleIdx="2" presStyleCnt="4" custScaleX="120835" custScaleY="49895" custRadScaleRad="104071" custRadScaleInc="7540">
@@ -5000,10 +5128,26 @@
         </dgm:presLayoutVars>
       </dgm:prSet>
       <dgm:spPr/>
+      <dgm:t>
+        <a:bodyPr/>
+        <a:lstStyle/>
+        <a:p>
+          <a:pPr latinLnBrk="1"/>
+          <a:endParaRPr lang="ko-KR" altLang="en-US"/>
+        </a:p>
+      </dgm:t>
     </dgm:pt>
     <dgm:pt modelId="{4291C799-A15D-4513-BF29-EBB2B8C1BB59}" type="pres">
       <dgm:prSet presAssocID="{E793B2F7-5665-4ECF-AAD0-A1D519F6498C}" presName="parTrans" presStyleLbl="bgSibTrans2D1" presStyleIdx="3" presStyleCnt="4"/>
       <dgm:spPr/>
+      <dgm:t>
+        <a:bodyPr/>
+        <a:lstStyle/>
+        <a:p>
+          <a:pPr latinLnBrk="1"/>
+          <a:endParaRPr lang="ko-KR" altLang="en-US"/>
+        </a:p>
+      </dgm:t>
     </dgm:pt>
     <dgm:pt modelId="{219BDAC7-6821-4518-B518-31D7CFD67B11}" type="pres">
       <dgm:prSet presAssocID="{1EA8D2AC-BA1B-46BC-A430-3EDE1B4B240E}" presName="node" presStyleLbl="node1" presStyleIdx="3" presStyleCnt="4" custScaleX="120835" custScaleY="49895" custRadScaleRad="129328" custRadScaleInc="-2968">
@@ -5012,24 +5156,32 @@
         </dgm:presLayoutVars>
       </dgm:prSet>
       <dgm:spPr/>
+      <dgm:t>
+        <a:bodyPr/>
+        <a:lstStyle/>
+        <a:p>
+          <a:pPr latinLnBrk="1"/>
+          <a:endParaRPr lang="ko-KR" altLang="en-US"/>
+        </a:p>
+      </dgm:t>
     </dgm:pt>
   </dgm:ptLst>
   <dgm:cxnLst>
+    <dgm:cxn modelId="{82565D9A-A28E-4EEE-AFBB-F9C27F8F5FE8}" srcId="{6E7D4028-20D2-4F65-A227-EEA642DFD08E}" destId="{1EA8D2AC-BA1B-46BC-A430-3EDE1B4B240E}" srcOrd="3" destOrd="0" parTransId="{E793B2F7-5665-4ECF-AAD0-A1D519F6498C}" sibTransId="{244B88B1-03E7-4B5B-80AB-AA803F4062AA}"/>
+    <dgm:cxn modelId="{12982585-B1DB-4C36-B489-0798A14EDBDB}" type="presOf" srcId="{FF974BDE-63B0-4D61-B931-ABFFE8BFB047}" destId="{7AF8D95F-AB4F-412A-8239-B6E46F69B486}" srcOrd="0" destOrd="0" presId="urn:microsoft.com/office/officeart/2005/8/layout/radial4"/>
     <dgm:cxn modelId="{E9CB7B3C-883A-4CA4-8824-900257C40363}" srcId="{6E7D4028-20D2-4F65-A227-EEA642DFD08E}" destId="{5C35208B-0D42-490D-94ED-F35E7E96B7E5}" srcOrd="0" destOrd="0" parTransId="{1FC42C72-9B07-4234-AAA2-15780A8A583C}" sibTransId="{319D912E-8397-480B-B006-E79744D40104}"/>
+    <dgm:cxn modelId="{952DC4D6-7B81-471F-A41E-3B9E36C26C1B}" type="presOf" srcId="{6E7D4028-20D2-4F65-A227-EEA642DFD08E}" destId="{FC3B118D-B353-43EE-87CB-D8A20E69CFBA}" srcOrd="0" destOrd="0" presId="urn:microsoft.com/office/officeart/2005/8/layout/radial4"/>
+    <dgm:cxn modelId="{BCF956DE-2267-4336-99AD-0E20F3718512}" srcId="{D8AD0DD8-9AC1-4D79-981D-880E5E8D3FE5}" destId="{6E7D4028-20D2-4F65-A227-EEA642DFD08E}" srcOrd="0" destOrd="0" parTransId="{EB1C1CA0-5646-4684-97A8-6D19F5BC51AF}" sibTransId="{9FC90EC8-4A04-4753-A672-43663EA8F995}"/>
+    <dgm:cxn modelId="{8A25F1A5-CA94-4692-932B-13B3C2DB33CA}" type="presOf" srcId="{1EA8D2AC-BA1B-46BC-A430-3EDE1B4B240E}" destId="{219BDAC7-6821-4518-B518-31D7CFD67B11}" srcOrd="0" destOrd="0" presId="urn:microsoft.com/office/officeart/2005/8/layout/radial4"/>
+    <dgm:cxn modelId="{7E7E6883-A49D-4B90-ADD1-18EE5CC3AE39}" type="presOf" srcId="{69457BFA-25A9-4BA8-B0E3-155265680910}" destId="{040C17D5-4E21-4CE6-B4DD-443772B50B83}" srcOrd="0" destOrd="0" presId="urn:microsoft.com/office/officeart/2005/8/layout/radial4"/>
+    <dgm:cxn modelId="{52A29C7F-A4EA-43E9-844B-9F369BBAF518}" type="presOf" srcId="{BF1799BB-80A7-4C3B-A7D8-780EB18F370B}" destId="{9B0A5B95-EB15-41E5-806A-2632E256543A}" srcOrd="0" destOrd="0" presId="urn:microsoft.com/office/officeart/2005/8/layout/radial4"/>
+    <dgm:cxn modelId="{E6598969-5236-484F-8F9E-5820B106BEAB}" srcId="{6E7D4028-20D2-4F65-A227-EEA642DFD08E}" destId="{BF1799BB-80A7-4C3B-A7D8-780EB18F370B}" srcOrd="1" destOrd="0" parTransId="{4F14B105-95D9-4C88-A52C-97B60D627F88}" sibTransId="{24AC0989-690C-457C-B043-6DF70E939592}"/>
+    <dgm:cxn modelId="{F600A0FB-304D-4C8B-94B8-BA2ECD860FA9}" type="presOf" srcId="{D8AD0DD8-9AC1-4D79-981D-880E5E8D3FE5}" destId="{42181FC0-872F-4233-AFCA-577A0DDBD81F}" srcOrd="0" destOrd="0" presId="urn:microsoft.com/office/officeart/2005/8/layout/radial4"/>
+    <dgm:cxn modelId="{0084F4A5-9537-4897-9945-F082842AA09E}" type="presOf" srcId="{4F14B105-95D9-4C88-A52C-97B60D627F88}" destId="{169D0923-20F3-4E26-B711-588CD4161CD5}" srcOrd="0" destOrd="0" presId="urn:microsoft.com/office/officeart/2005/8/layout/radial4"/>
+    <dgm:cxn modelId="{AF4CF399-0A4D-44F4-A997-AD9316611E6F}" type="presOf" srcId="{E793B2F7-5665-4ECF-AAD0-A1D519F6498C}" destId="{4291C799-A15D-4513-BF29-EBB2B8C1BB59}" srcOrd="0" destOrd="0" presId="urn:microsoft.com/office/officeart/2005/8/layout/radial4"/>
+    <dgm:cxn modelId="{3721AA51-0251-4E83-8FA1-EB3F7F515049}" type="presOf" srcId="{1FC42C72-9B07-4234-AAA2-15780A8A583C}" destId="{7B68094F-93D8-478F-8E6F-72911A8612C7}" srcOrd="0" destOrd="0" presId="urn:microsoft.com/office/officeart/2005/8/layout/radial4"/>
     <dgm:cxn modelId="{E999FA9A-7A2C-4317-BFCE-98CF3681799C}" srcId="{6E7D4028-20D2-4F65-A227-EEA642DFD08E}" destId="{69457BFA-25A9-4BA8-B0E3-155265680910}" srcOrd="2" destOrd="0" parTransId="{FF974BDE-63B0-4D61-B931-ABFFE8BFB047}" sibTransId="{6E5B9053-5E14-46CE-89CE-00E3F8993600}"/>
-    <dgm:cxn modelId="{952DC4D6-7B81-471F-A41E-3B9E36C26C1B}" type="presOf" srcId="{6E7D4028-20D2-4F65-A227-EEA642DFD08E}" destId="{FC3B118D-B353-43EE-87CB-D8A20E69CFBA}" srcOrd="0" destOrd="0" presId="urn:microsoft.com/office/officeart/2005/8/layout/radial4"/>
-    <dgm:cxn modelId="{AF4CF399-0A4D-44F4-A997-AD9316611E6F}" type="presOf" srcId="{E793B2F7-5665-4ECF-AAD0-A1D519F6498C}" destId="{4291C799-A15D-4513-BF29-EBB2B8C1BB59}" srcOrd="0" destOrd="0" presId="urn:microsoft.com/office/officeart/2005/8/layout/radial4"/>
-    <dgm:cxn modelId="{8A25F1A5-CA94-4692-932B-13B3C2DB33CA}" type="presOf" srcId="{1EA8D2AC-BA1B-46BC-A430-3EDE1B4B240E}" destId="{219BDAC7-6821-4518-B518-31D7CFD67B11}" srcOrd="0" destOrd="0" presId="urn:microsoft.com/office/officeart/2005/8/layout/radial4"/>
-    <dgm:cxn modelId="{3721AA51-0251-4E83-8FA1-EB3F7F515049}" type="presOf" srcId="{1FC42C72-9B07-4234-AAA2-15780A8A583C}" destId="{7B68094F-93D8-478F-8E6F-72911A8612C7}" srcOrd="0" destOrd="0" presId="urn:microsoft.com/office/officeart/2005/8/layout/radial4"/>
-    <dgm:cxn modelId="{F600A0FB-304D-4C8B-94B8-BA2ECD860FA9}" type="presOf" srcId="{D8AD0DD8-9AC1-4D79-981D-880E5E8D3FE5}" destId="{42181FC0-872F-4233-AFCA-577A0DDBD81F}" srcOrd="0" destOrd="0" presId="urn:microsoft.com/office/officeart/2005/8/layout/radial4"/>
-    <dgm:cxn modelId="{52A29C7F-A4EA-43E9-844B-9F369BBAF518}" type="presOf" srcId="{BF1799BB-80A7-4C3B-A7D8-780EB18F370B}" destId="{9B0A5B95-EB15-41E5-806A-2632E256543A}" srcOrd="0" destOrd="0" presId="urn:microsoft.com/office/officeart/2005/8/layout/radial4"/>
-    <dgm:cxn modelId="{BCF956DE-2267-4336-99AD-0E20F3718512}" srcId="{D8AD0DD8-9AC1-4D79-981D-880E5E8D3FE5}" destId="{6E7D4028-20D2-4F65-A227-EEA642DFD08E}" srcOrd="0" destOrd="0" parTransId="{EB1C1CA0-5646-4684-97A8-6D19F5BC51AF}" sibTransId="{9FC90EC8-4A04-4753-A672-43663EA8F995}"/>
-    <dgm:cxn modelId="{12982585-B1DB-4C36-B489-0798A14EDBDB}" type="presOf" srcId="{FF974BDE-63B0-4D61-B931-ABFFE8BFB047}" destId="{7AF8D95F-AB4F-412A-8239-B6E46F69B486}" srcOrd="0" destOrd="0" presId="urn:microsoft.com/office/officeart/2005/8/layout/radial4"/>
     <dgm:cxn modelId="{95FFD7AA-B20B-4078-82E5-0736D29CD1AD}" type="presOf" srcId="{5C35208B-0D42-490D-94ED-F35E7E96B7E5}" destId="{EEC2D575-538C-476E-9A68-933BB1FC9B87}" srcOrd="0" destOrd="0" presId="urn:microsoft.com/office/officeart/2005/8/layout/radial4"/>
-    <dgm:cxn modelId="{E6598969-5236-484F-8F9E-5820B106BEAB}" srcId="{6E7D4028-20D2-4F65-A227-EEA642DFD08E}" destId="{BF1799BB-80A7-4C3B-A7D8-780EB18F370B}" srcOrd="1" destOrd="0" parTransId="{4F14B105-95D9-4C88-A52C-97B60D627F88}" sibTransId="{24AC0989-690C-457C-B043-6DF70E939592}"/>
-    <dgm:cxn modelId="{82565D9A-A28E-4EEE-AFBB-F9C27F8F5FE8}" srcId="{6E7D4028-20D2-4F65-A227-EEA642DFD08E}" destId="{1EA8D2AC-BA1B-46BC-A430-3EDE1B4B240E}" srcOrd="3" destOrd="0" parTransId="{E793B2F7-5665-4ECF-AAD0-A1D519F6498C}" sibTransId="{244B88B1-03E7-4B5B-80AB-AA803F4062AA}"/>
-    <dgm:cxn modelId="{0084F4A5-9537-4897-9945-F082842AA09E}" type="presOf" srcId="{4F14B105-95D9-4C88-A52C-97B60D627F88}" destId="{169D0923-20F3-4E26-B711-588CD4161CD5}" srcOrd="0" destOrd="0" presId="urn:microsoft.com/office/officeart/2005/8/layout/radial4"/>
-    <dgm:cxn modelId="{7E7E6883-A49D-4B90-ADD1-18EE5CC3AE39}" type="presOf" srcId="{69457BFA-25A9-4BA8-B0E3-155265680910}" destId="{040C17D5-4E21-4CE6-B4DD-443772B50B83}" srcOrd="0" destOrd="0" presId="urn:microsoft.com/office/officeart/2005/8/layout/radial4"/>
     <dgm:cxn modelId="{50E011BF-B46D-49EB-95A3-1E4F9C661946}" type="presParOf" srcId="{42181FC0-872F-4233-AFCA-577A0DDBD81F}" destId="{FC3B118D-B353-43EE-87CB-D8A20E69CFBA}" srcOrd="0" destOrd="0" presId="urn:microsoft.com/office/officeart/2005/8/layout/radial4"/>
     <dgm:cxn modelId="{559E2DE9-9034-4E41-8A24-139D65B93FB8}" type="presParOf" srcId="{42181FC0-872F-4233-AFCA-577A0DDBD81F}" destId="{7B68094F-93D8-478F-8E6F-72911A8612C7}" srcOrd="1" destOrd="0" presId="urn:microsoft.com/office/officeart/2005/8/layout/radial4"/>
     <dgm:cxn modelId="{6670BC27-D3A7-40D1-89C0-19AE224418A4}" type="presParOf" srcId="{42181FC0-872F-4233-AFCA-577A0DDBD81F}" destId="{EEC2D575-538C-476E-9A68-933BB1FC9B87}" srcOrd="2" destOrd="0" presId="urn:microsoft.com/office/officeart/2005/8/layout/radial4"/>
@@ -5058,377 +5210,6 @@
       <dsp:cNvGrpSpPr/>
     </dsp:nvGrpSpPr>
     <dsp:grpSpPr/>
-    <dsp:sp modelId="{3164E6A3-C2D0-41DB-8EFD-75F18757702A}">
-      <dsp:nvSpPr>
-        <dsp:cNvPr id="0" name=""/>
-        <dsp:cNvSpPr/>
-      </dsp:nvSpPr>
-      <dsp:spPr>
-        <a:xfrm>
-          <a:off x="0" y="466181"/>
-          <a:ext cx="8229600" cy="756000"/>
-        </a:xfrm>
-        <a:prstGeom prst="rect">
-          <a:avLst/>
-        </a:prstGeom>
-        <a:solidFill>
-          <a:schemeClr val="lt1">
-            <a:alpha val="90000"/>
-            <a:hueOff val="0"/>
-            <a:satOff val="0"/>
-            <a:lumOff val="0"/>
-            <a:alphaOff val="0"/>
-          </a:schemeClr>
-        </a:solidFill>
-        <a:ln w="19050" cap="flat" cmpd="sng" algn="ctr">
-          <a:solidFill>
-            <a:schemeClr val="accent2">
-              <a:hueOff val="0"/>
-              <a:satOff val="0"/>
-              <a:lumOff val="0"/>
-              <a:alphaOff val="0"/>
-            </a:schemeClr>
-          </a:solidFill>
-          <a:prstDash val="solid"/>
-        </a:ln>
-        <a:effectLst/>
-      </dsp:spPr>
-      <dsp:style>
-        <a:lnRef idx="2">
-          <a:scrgbClr r="0" g="0" b="0"/>
-        </a:lnRef>
-        <a:fillRef idx="1">
-          <a:scrgbClr r="0" g="0" b="0"/>
-        </a:fillRef>
-        <a:effectRef idx="0">
-          <a:scrgbClr r="0" g="0" b="0"/>
-        </a:effectRef>
-        <a:fontRef idx="minor"/>
-      </dsp:style>
-    </dsp:sp>
-    <dsp:sp modelId="{2E626BFE-BF1F-467C-9FEC-76785C8F0D47}">
-      <dsp:nvSpPr>
-        <dsp:cNvPr id="0" name=""/>
-        <dsp:cNvSpPr/>
-      </dsp:nvSpPr>
-      <dsp:spPr>
-        <a:xfrm>
-          <a:off x="411480" y="23381"/>
-          <a:ext cx="5760720" cy="885600"/>
-        </a:xfrm>
-        <a:prstGeom prst="roundRect">
-          <a:avLst/>
-        </a:prstGeom>
-        <a:solidFill>
-          <a:schemeClr val="accent2">
-            <a:hueOff val="0"/>
-            <a:satOff val="0"/>
-            <a:lumOff val="0"/>
-            <a:alphaOff val="0"/>
-          </a:schemeClr>
-        </a:solidFill>
-        <a:ln w="19050" cap="flat" cmpd="sng" algn="ctr">
-          <a:solidFill>
-            <a:schemeClr val="lt1">
-              <a:hueOff val="0"/>
-              <a:satOff val="0"/>
-              <a:lumOff val="0"/>
-              <a:alphaOff val="0"/>
-            </a:schemeClr>
-          </a:solidFill>
-          <a:prstDash val="solid"/>
-        </a:ln>
-        <a:effectLst/>
-      </dsp:spPr>
-      <dsp:style>
-        <a:lnRef idx="2">
-          <a:scrgbClr r="0" g="0" b="0"/>
-        </a:lnRef>
-        <a:fillRef idx="1">
-          <a:scrgbClr r="0" g="0" b="0"/>
-        </a:fillRef>
-        <a:effectRef idx="0">
-          <a:scrgbClr r="0" g="0" b="0"/>
-        </a:effectRef>
-        <a:fontRef idx="minor">
-          <a:schemeClr val="lt1"/>
-        </a:fontRef>
-      </dsp:style>
-      <dsp:txBody>
-        <a:bodyPr spcFirstLastPara="0" vert="horz" wrap="square" lIns="217742" tIns="0" rIns="217742" bIns="0" numCol="1" spcCol="1270" anchor="ctr" anchorCtr="0">
-          <a:noAutofit/>
-        </a:bodyPr>
-        <a:lstStyle/>
-        <a:p>
-          <a:pPr lvl="0" algn="l" defTabSz="1333500" latinLnBrk="1">
-            <a:lnSpc>
-              <a:spcPct val="90000"/>
-            </a:lnSpc>
-            <a:spcBef>
-              <a:spcPct val="0"/>
-            </a:spcBef>
-            <a:spcAft>
-              <a:spcPct val="35000"/>
-            </a:spcAft>
-          </a:pPr>
-          <a:r>
-            <a:rPr lang="ko-KR" altLang="en-US" sz="3000" kern="1200" dirty="0" smtClean="0"/>
-            <a:t>리팩토링이란</a:t>
-          </a:r>
-          <a:endParaRPr lang="ko-KR" altLang="en-US" sz="3000" kern="1200" dirty="0"/>
-        </a:p>
-      </dsp:txBody>
-      <dsp:txXfrm>
-        <a:off x="454711" y="66612"/>
-        <a:ext cx="5674258" cy="799138"/>
-      </dsp:txXfrm>
-    </dsp:sp>
-    <dsp:sp modelId="{2F2B9AAF-A645-46CD-BF19-0EC3013038C6}">
-      <dsp:nvSpPr>
-        <dsp:cNvPr id="0" name=""/>
-        <dsp:cNvSpPr/>
-      </dsp:nvSpPr>
-      <dsp:spPr>
-        <a:xfrm>
-          <a:off x="0" y="1826981"/>
-          <a:ext cx="8229600" cy="756000"/>
-        </a:xfrm>
-        <a:prstGeom prst="rect">
-          <a:avLst/>
-        </a:prstGeom>
-        <a:solidFill>
-          <a:schemeClr val="lt1">
-            <a:alpha val="90000"/>
-            <a:hueOff val="0"/>
-            <a:satOff val="0"/>
-            <a:lumOff val="0"/>
-            <a:alphaOff val="0"/>
-          </a:schemeClr>
-        </a:solidFill>
-        <a:ln w="19050" cap="flat" cmpd="sng" algn="ctr">
-          <a:solidFill>
-            <a:schemeClr val="accent3">
-              <a:hueOff val="0"/>
-              <a:satOff val="0"/>
-              <a:lumOff val="0"/>
-              <a:alphaOff val="0"/>
-            </a:schemeClr>
-          </a:solidFill>
-          <a:prstDash val="solid"/>
-        </a:ln>
-        <a:effectLst/>
-      </dsp:spPr>
-      <dsp:style>
-        <a:lnRef idx="2">
-          <a:scrgbClr r="0" g="0" b="0"/>
-        </a:lnRef>
-        <a:fillRef idx="1">
-          <a:scrgbClr r="0" g="0" b="0"/>
-        </a:fillRef>
-        <a:effectRef idx="0">
-          <a:scrgbClr r="0" g="0" b="0"/>
-        </a:effectRef>
-        <a:fontRef idx="minor"/>
-      </dsp:style>
-    </dsp:sp>
-    <dsp:sp modelId="{20FDC689-8052-4DF4-9504-FE191B06A9E8}">
-      <dsp:nvSpPr>
-        <dsp:cNvPr id="0" name=""/>
-        <dsp:cNvSpPr/>
-      </dsp:nvSpPr>
-      <dsp:spPr>
-        <a:xfrm>
-          <a:off x="411480" y="1384181"/>
-          <a:ext cx="5760720" cy="885600"/>
-        </a:xfrm>
-        <a:prstGeom prst="roundRect">
-          <a:avLst/>
-        </a:prstGeom>
-        <a:solidFill>
-          <a:schemeClr val="accent3">
-            <a:hueOff val="0"/>
-            <a:satOff val="0"/>
-            <a:lumOff val="0"/>
-            <a:alphaOff val="0"/>
-          </a:schemeClr>
-        </a:solidFill>
-        <a:ln w="19050" cap="flat" cmpd="sng" algn="ctr">
-          <a:solidFill>
-            <a:schemeClr val="lt1">
-              <a:hueOff val="0"/>
-              <a:satOff val="0"/>
-              <a:lumOff val="0"/>
-              <a:alphaOff val="0"/>
-            </a:schemeClr>
-          </a:solidFill>
-          <a:prstDash val="solid"/>
-        </a:ln>
-        <a:effectLst/>
-      </dsp:spPr>
-      <dsp:style>
-        <a:lnRef idx="2">
-          <a:scrgbClr r="0" g="0" b="0"/>
-        </a:lnRef>
-        <a:fillRef idx="1">
-          <a:scrgbClr r="0" g="0" b="0"/>
-        </a:fillRef>
-        <a:effectRef idx="0">
-          <a:scrgbClr r="0" g="0" b="0"/>
-        </a:effectRef>
-        <a:fontRef idx="minor">
-          <a:schemeClr val="lt1"/>
-        </a:fontRef>
-      </dsp:style>
-      <dsp:txBody>
-        <a:bodyPr spcFirstLastPara="0" vert="horz" wrap="square" lIns="217742" tIns="0" rIns="217742" bIns="0" numCol="1" spcCol="1270" anchor="ctr" anchorCtr="0">
-          <a:noAutofit/>
-        </a:bodyPr>
-        <a:lstStyle/>
-        <a:p>
-          <a:pPr lvl="0" algn="l" defTabSz="1333500" latinLnBrk="1">
-            <a:lnSpc>
-              <a:spcPct val="90000"/>
-            </a:lnSpc>
-            <a:spcBef>
-              <a:spcPct val="0"/>
-            </a:spcBef>
-            <a:spcAft>
-              <a:spcPct val="35000"/>
-            </a:spcAft>
-          </a:pPr>
-          <a:r>
-            <a:rPr lang="ko-KR" altLang="en-US" sz="3000" kern="1200" dirty="0" smtClean="0"/>
-            <a:t>매직 넘버를 기호 상수로 치환</a:t>
-          </a:r>
-          <a:endParaRPr lang="ko-KR" altLang="en-US" sz="3000" kern="1200" dirty="0"/>
-        </a:p>
-      </dsp:txBody>
-      <dsp:txXfrm>
-        <a:off x="454711" y="1427412"/>
-        <a:ext cx="5674258" cy="799138"/>
-      </dsp:txXfrm>
-    </dsp:sp>
-    <dsp:sp modelId="{0DB96C05-AE39-4F95-8C6A-919FDDA4A62F}">
-      <dsp:nvSpPr>
-        <dsp:cNvPr id="0" name=""/>
-        <dsp:cNvSpPr/>
-      </dsp:nvSpPr>
-      <dsp:spPr>
-        <a:xfrm>
-          <a:off x="0" y="3187781"/>
-          <a:ext cx="8229600" cy="756000"/>
-        </a:xfrm>
-        <a:prstGeom prst="rect">
-          <a:avLst/>
-        </a:prstGeom>
-        <a:solidFill>
-          <a:schemeClr val="lt1">
-            <a:alpha val="90000"/>
-            <a:hueOff val="0"/>
-            <a:satOff val="0"/>
-            <a:lumOff val="0"/>
-            <a:alphaOff val="0"/>
-          </a:schemeClr>
-        </a:solidFill>
-        <a:ln w="19050" cap="flat" cmpd="sng" algn="ctr">
-          <a:solidFill>
-            <a:schemeClr val="accent4">
-              <a:hueOff val="0"/>
-              <a:satOff val="0"/>
-              <a:lumOff val="0"/>
-              <a:alphaOff val="0"/>
-            </a:schemeClr>
-          </a:solidFill>
-          <a:prstDash val="solid"/>
-        </a:ln>
-        <a:effectLst/>
-      </dsp:spPr>
-      <dsp:style>
-        <a:lnRef idx="2">
-          <a:scrgbClr r="0" g="0" b="0"/>
-        </a:lnRef>
-        <a:fillRef idx="1">
-          <a:scrgbClr r="0" g="0" b="0"/>
-        </a:fillRef>
-        <a:effectRef idx="0">
-          <a:scrgbClr r="0" g="0" b="0"/>
-        </a:effectRef>
-        <a:fontRef idx="minor"/>
-      </dsp:style>
-    </dsp:sp>
-    <dsp:sp modelId="{83813E09-1487-4B69-93EE-26F94CE61E39}">
-      <dsp:nvSpPr>
-        <dsp:cNvPr id="0" name=""/>
-        <dsp:cNvSpPr/>
-      </dsp:nvSpPr>
-      <dsp:spPr>
-        <a:xfrm>
-          <a:off x="411480" y="2744981"/>
-          <a:ext cx="5760720" cy="885600"/>
-        </a:xfrm>
-        <a:prstGeom prst="roundRect">
-          <a:avLst/>
-        </a:prstGeom>
-        <a:solidFill>
-          <a:schemeClr val="accent4">
-            <a:hueOff val="0"/>
-            <a:satOff val="0"/>
-            <a:lumOff val="0"/>
-            <a:alphaOff val="0"/>
-          </a:schemeClr>
-        </a:solidFill>
-        <a:ln w="19050" cap="flat" cmpd="sng" algn="ctr">
-          <a:solidFill>
-            <a:schemeClr val="lt1">
-              <a:hueOff val="0"/>
-              <a:satOff val="0"/>
-              <a:lumOff val="0"/>
-              <a:alphaOff val="0"/>
-            </a:schemeClr>
-          </a:solidFill>
-          <a:prstDash val="solid"/>
-        </a:ln>
-        <a:effectLst/>
-      </dsp:spPr>
-      <dsp:style>
-        <a:lnRef idx="2">
-          <a:scrgbClr r="0" g="0" b="0"/>
-        </a:lnRef>
-        <a:fillRef idx="1">
-          <a:scrgbClr r="0" g="0" b="0"/>
-        </a:fillRef>
-        <a:effectRef idx="0">
-          <a:scrgbClr r="0" g="0" b="0"/>
-        </a:effectRef>
-        <a:fontRef idx="minor">
-          <a:schemeClr val="lt1"/>
-        </a:fontRef>
-      </dsp:style>
-      <dsp:txBody>
-        <a:bodyPr spcFirstLastPara="0" vert="horz" wrap="square" lIns="217742" tIns="0" rIns="217742" bIns="0" numCol="1" spcCol="1270" anchor="ctr" anchorCtr="0">
-          <a:noAutofit/>
-        </a:bodyPr>
-        <a:lstStyle/>
-        <a:p>
-          <a:pPr lvl="0" algn="l" defTabSz="1333500" latinLnBrk="1">
-            <a:lnSpc>
-              <a:spcPct val="90000"/>
-            </a:lnSpc>
-            <a:spcBef>
-              <a:spcPct val="0"/>
-            </a:spcBef>
-            <a:spcAft>
-              <a:spcPct val="35000"/>
-            </a:spcAft>
-          </a:pPr>
-          <a:endParaRPr lang="ko-KR" altLang="en-US" sz="3000" kern="1200" dirty="0"/>
-        </a:p>
-      </dsp:txBody>
-      <dsp:txXfrm>
-        <a:off x="454711" y="2788212"/>
-        <a:ext cx="5674258" cy="799138"/>
-      </dsp:txXfrm>
-    </dsp:sp>
   </dsp:spTree>
 </dsp:drawing>
 </file>
@@ -5441,478 +5222,6 @@
       <dsp:cNvGrpSpPr/>
     </dsp:nvGrpSpPr>
     <dsp:grpSpPr/>
-    <dsp:sp modelId="{6DB4D42F-BA8D-4741-89CB-083C145CFD48}">
-      <dsp:nvSpPr>
-        <dsp:cNvPr id="0" name=""/>
-        <dsp:cNvSpPr/>
-      </dsp:nvSpPr>
-      <dsp:spPr>
-        <a:xfrm>
-          <a:off x="-3924738" y="-602611"/>
-          <a:ext cx="4677383" cy="4677383"/>
-        </a:xfrm>
-        <a:prstGeom prst="blockArc">
-          <a:avLst>
-            <a:gd name="adj1" fmla="val 18900000"/>
-            <a:gd name="adj2" fmla="val 2700000"/>
-            <a:gd name="adj3" fmla="val 462"/>
-          </a:avLst>
-        </a:prstGeom>
-        <a:noFill/>
-        <a:ln w="19050" cap="flat" cmpd="sng" algn="ctr">
-          <a:solidFill>
-            <a:schemeClr val="accent2">
-              <a:hueOff val="0"/>
-              <a:satOff val="0"/>
-              <a:lumOff val="0"/>
-              <a:alphaOff val="0"/>
-            </a:schemeClr>
-          </a:solidFill>
-          <a:prstDash val="solid"/>
-        </a:ln>
-        <a:effectLst/>
-      </dsp:spPr>
-      <dsp:style>
-        <a:lnRef idx="2">
-          <a:scrgbClr r="0" g="0" b="0"/>
-        </a:lnRef>
-        <a:fillRef idx="0">
-          <a:scrgbClr r="0" g="0" b="0"/>
-        </a:fillRef>
-        <a:effectRef idx="0">
-          <a:scrgbClr r="0" g="0" b="0"/>
-        </a:effectRef>
-        <a:fontRef idx="minor"/>
-      </dsp:style>
-    </dsp:sp>
-    <dsp:sp modelId="{571AAA4A-6B3A-42DD-9944-688CC83BDA2A}">
-      <dsp:nvSpPr>
-        <dsp:cNvPr id="0" name=""/>
-        <dsp:cNvSpPr/>
-      </dsp:nvSpPr>
-      <dsp:spPr>
-        <a:xfrm>
-          <a:off x="484012" y="347216"/>
-          <a:ext cx="5566148" cy="694432"/>
-        </a:xfrm>
-        <a:prstGeom prst="rect">
-          <a:avLst/>
-        </a:prstGeom>
-        <a:solidFill>
-          <a:schemeClr val="accent2">
-            <a:hueOff val="0"/>
-            <a:satOff val="0"/>
-            <a:lumOff val="0"/>
-            <a:alphaOff val="0"/>
-          </a:schemeClr>
-        </a:solidFill>
-        <a:ln w="19050" cap="flat" cmpd="sng" algn="ctr">
-          <a:solidFill>
-            <a:schemeClr val="lt1">
-              <a:hueOff val="0"/>
-              <a:satOff val="0"/>
-              <a:lumOff val="0"/>
-              <a:alphaOff val="0"/>
-            </a:schemeClr>
-          </a:solidFill>
-          <a:prstDash val="solid"/>
-        </a:ln>
-        <a:effectLst/>
-      </dsp:spPr>
-      <dsp:style>
-        <a:lnRef idx="2">
-          <a:scrgbClr r="0" g="0" b="0"/>
-        </a:lnRef>
-        <a:fillRef idx="1">
-          <a:scrgbClr r="0" g="0" b="0"/>
-        </a:fillRef>
-        <a:effectRef idx="0">
-          <a:scrgbClr r="0" g="0" b="0"/>
-        </a:effectRef>
-        <a:fontRef idx="minor">
-          <a:schemeClr val="lt1"/>
-        </a:fontRef>
-      </dsp:style>
-      <dsp:txBody>
-        <a:bodyPr spcFirstLastPara="0" vert="horz" wrap="square" lIns="551205" tIns="68580" rIns="68580" bIns="68580" numCol="1" spcCol="1270" anchor="ctr" anchorCtr="0">
-          <a:noAutofit/>
-        </a:bodyPr>
-        <a:lstStyle/>
-        <a:p>
-          <a:pPr lvl="0" algn="l" defTabSz="1200150" latinLnBrk="1">
-            <a:lnSpc>
-              <a:spcPct val="90000"/>
-            </a:lnSpc>
-            <a:spcBef>
-              <a:spcPct val="0"/>
-            </a:spcBef>
-            <a:spcAft>
-              <a:spcPct val="35000"/>
-            </a:spcAft>
-          </a:pPr>
-          <a:r>
-            <a:rPr lang="ko-KR" altLang="en-US" sz="2700" kern="1200" dirty="0" smtClean="0">
-              <a:solidFill>
-                <a:schemeClr val="tx1"/>
-              </a:solidFill>
-            </a:rPr>
-            <a:t>버그를 발견하기 쉽게 만든다</a:t>
-          </a:r>
-          <a:r>
-            <a:rPr lang="en-US" altLang="ko-KR" sz="2700" kern="1200" dirty="0" smtClean="0">
-              <a:solidFill>
-                <a:schemeClr val="tx1"/>
-              </a:solidFill>
-            </a:rPr>
-            <a:t>.</a:t>
-          </a:r>
-          <a:endParaRPr lang="ko-KR" altLang="en-US" sz="2700" kern="1200" dirty="0">
-            <a:solidFill>
-              <a:schemeClr val="tx1"/>
-            </a:solidFill>
-          </a:endParaRPr>
-        </a:p>
-      </dsp:txBody>
-      <dsp:txXfrm>
-        <a:off x="484012" y="347216"/>
-        <a:ext cx="5566148" cy="694432"/>
-      </dsp:txXfrm>
-    </dsp:sp>
-    <dsp:sp modelId="{26881B84-7982-44D2-AA8A-6CFCEC941008}">
-      <dsp:nvSpPr>
-        <dsp:cNvPr id="0" name=""/>
-        <dsp:cNvSpPr/>
-      </dsp:nvSpPr>
-      <dsp:spPr>
-        <a:xfrm>
-          <a:off x="49992" y="260412"/>
-          <a:ext cx="868040" cy="868040"/>
-        </a:xfrm>
-        <a:prstGeom prst="ellipse">
-          <a:avLst/>
-        </a:prstGeom>
-        <a:solidFill>
-          <a:schemeClr val="lt1">
-            <a:hueOff val="0"/>
-            <a:satOff val="0"/>
-            <a:lumOff val="0"/>
-            <a:alphaOff val="0"/>
-          </a:schemeClr>
-        </a:solidFill>
-        <a:ln w="19050" cap="flat" cmpd="sng" algn="ctr">
-          <a:solidFill>
-            <a:schemeClr val="accent2">
-              <a:hueOff val="0"/>
-              <a:satOff val="0"/>
-              <a:lumOff val="0"/>
-              <a:alphaOff val="0"/>
-            </a:schemeClr>
-          </a:solidFill>
-          <a:prstDash val="solid"/>
-        </a:ln>
-        <a:effectLst/>
-      </dsp:spPr>
-      <dsp:style>
-        <a:lnRef idx="2">
-          <a:scrgbClr r="0" g="0" b="0"/>
-        </a:lnRef>
-        <a:fillRef idx="1">
-          <a:scrgbClr r="0" g="0" b="0"/>
-        </a:fillRef>
-        <a:effectRef idx="0">
-          <a:scrgbClr r="0" g="0" b="0"/>
-        </a:effectRef>
-        <a:fontRef idx="minor"/>
-      </dsp:style>
-    </dsp:sp>
-    <dsp:sp modelId="{3BFFAA52-E8BE-49BC-9934-9412B0FEF0F8}">
-      <dsp:nvSpPr>
-        <dsp:cNvPr id="0" name=""/>
-        <dsp:cNvSpPr/>
-      </dsp:nvSpPr>
-      <dsp:spPr>
-        <a:xfrm>
-          <a:off x="736438" y="1388864"/>
-          <a:ext cx="5313722" cy="694432"/>
-        </a:xfrm>
-        <a:prstGeom prst="rect">
-          <a:avLst/>
-        </a:prstGeom>
-        <a:solidFill>
-          <a:schemeClr val="accent3">
-            <a:hueOff val="0"/>
-            <a:satOff val="0"/>
-            <a:lumOff val="0"/>
-            <a:alphaOff val="0"/>
-          </a:schemeClr>
-        </a:solidFill>
-        <a:ln w="19050" cap="flat" cmpd="sng" algn="ctr">
-          <a:solidFill>
-            <a:schemeClr val="lt1">
-              <a:hueOff val="0"/>
-              <a:satOff val="0"/>
-              <a:lumOff val="0"/>
-              <a:alphaOff val="0"/>
-            </a:schemeClr>
-          </a:solidFill>
-          <a:prstDash val="solid"/>
-        </a:ln>
-        <a:effectLst/>
-      </dsp:spPr>
-      <dsp:style>
-        <a:lnRef idx="2">
-          <a:scrgbClr r="0" g="0" b="0"/>
-        </a:lnRef>
-        <a:fillRef idx="1">
-          <a:scrgbClr r="0" g="0" b="0"/>
-        </a:fillRef>
-        <a:effectRef idx="0">
-          <a:scrgbClr r="0" g="0" b="0"/>
-        </a:effectRef>
-        <a:fontRef idx="minor">
-          <a:schemeClr val="lt1"/>
-        </a:fontRef>
-      </dsp:style>
-      <dsp:txBody>
-        <a:bodyPr spcFirstLastPara="0" vert="horz" wrap="square" lIns="551205" tIns="68580" rIns="68580" bIns="68580" numCol="1" spcCol="1270" anchor="ctr" anchorCtr="0">
-          <a:noAutofit/>
-        </a:bodyPr>
-        <a:lstStyle/>
-        <a:p>
-          <a:pPr lvl="0" algn="l" defTabSz="1200150" latinLnBrk="1">
-            <a:lnSpc>
-              <a:spcPct val="90000"/>
-            </a:lnSpc>
-            <a:spcBef>
-              <a:spcPct val="0"/>
-            </a:spcBef>
-            <a:spcAft>
-              <a:spcPct val="35000"/>
-            </a:spcAft>
-          </a:pPr>
-          <a:r>
-            <a:rPr lang="ko-KR" altLang="en-US" sz="2700" kern="1200" dirty="0" smtClean="0">
-              <a:solidFill>
-                <a:schemeClr val="tx1"/>
-              </a:solidFill>
-            </a:rPr>
-            <a:t>기능을 추가하기 쉽게 만든다</a:t>
-          </a:r>
-          <a:r>
-            <a:rPr lang="en-US" altLang="ko-KR" sz="2700" kern="1200" dirty="0" smtClean="0">
-              <a:solidFill>
-                <a:schemeClr val="tx1"/>
-              </a:solidFill>
-            </a:rPr>
-            <a:t>.</a:t>
-          </a:r>
-          <a:endParaRPr lang="ko-KR" altLang="en-US" sz="2700" kern="1200" dirty="0">
-            <a:solidFill>
-              <a:schemeClr val="tx1"/>
-            </a:solidFill>
-          </a:endParaRPr>
-        </a:p>
-      </dsp:txBody>
-      <dsp:txXfrm>
-        <a:off x="736438" y="1388864"/>
-        <a:ext cx="5313722" cy="694432"/>
-      </dsp:txXfrm>
-    </dsp:sp>
-    <dsp:sp modelId="{9F95EAF6-BF1D-4B41-9FEF-9C083AD19526}">
-      <dsp:nvSpPr>
-        <dsp:cNvPr id="0" name=""/>
-        <dsp:cNvSpPr/>
-      </dsp:nvSpPr>
-      <dsp:spPr>
-        <a:xfrm>
-          <a:off x="302418" y="1302060"/>
-          <a:ext cx="868040" cy="868040"/>
-        </a:xfrm>
-        <a:prstGeom prst="ellipse">
-          <a:avLst/>
-        </a:prstGeom>
-        <a:solidFill>
-          <a:schemeClr val="lt1">
-            <a:hueOff val="0"/>
-            <a:satOff val="0"/>
-            <a:lumOff val="0"/>
-            <a:alphaOff val="0"/>
-          </a:schemeClr>
-        </a:solidFill>
-        <a:ln w="19050" cap="flat" cmpd="sng" algn="ctr">
-          <a:solidFill>
-            <a:schemeClr val="accent3">
-              <a:hueOff val="0"/>
-              <a:satOff val="0"/>
-              <a:lumOff val="0"/>
-              <a:alphaOff val="0"/>
-            </a:schemeClr>
-          </a:solidFill>
-          <a:prstDash val="solid"/>
-        </a:ln>
-        <a:effectLst/>
-      </dsp:spPr>
-      <dsp:style>
-        <a:lnRef idx="2">
-          <a:scrgbClr r="0" g="0" b="0"/>
-        </a:lnRef>
-        <a:fillRef idx="1">
-          <a:scrgbClr r="0" g="0" b="0"/>
-        </a:fillRef>
-        <a:effectRef idx="0">
-          <a:scrgbClr r="0" g="0" b="0"/>
-        </a:effectRef>
-        <a:fontRef idx="minor"/>
-      </dsp:style>
-    </dsp:sp>
-    <dsp:sp modelId="{C4BA0227-F95C-4ED2-AD3F-D7CDCB415484}">
-      <dsp:nvSpPr>
-        <dsp:cNvPr id="0" name=""/>
-        <dsp:cNvSpPr/>
-      </dsp:nvSpPr>
-      <dsp:spPr>
-        <a:xfrm>
-          <a:off x="484012" y="2430512"/>
-          <a:ext cx="5566148" cy="694432"/>
-        </a:xfrm>
-        <a:prstGeom prst="rect">
-          <a:avLst/>
-        </a:prstGeom>
-        <a:solidFill>
-          <a:schemeClr val="accent4">
-            <a:hueOff val="0"/>
-            <a:satOff val="0"/>
-            <a:lumOff val="0"/>
-            <a:alphaOff val="0"/>
-          </a:schemeClr>
-        </a:solidFill>
-        <a:ln w="19050" cap="flat" cmpd="sng" algn="ctr">
-          <a:solidFill>
-            <a:schemeClr val="lt1">
-              <a:hueOff val="0"/>
-              <a:satOff val="0"/>
-              <a:lumOff val="0"/>
-              <a:alphaOff val="0"/>
-            </a:schemeClr>
-          </a:solidFill>
-          <a:prstDash val="solid"/>
-        </a:ln>
-        <a:effectLst/>
-      </dsp:spPr>
-      <dsp:style>
-        <a:lnRef idx="2">
-          <a:scrgbClr r="0" g="0" b="0"/>
-        </a:lnRef>
-        <a:fillRef idx="1">
-          <a:scrgbClr r="0" g="0" b="0"/>
-        </a:fillRef>
-        <a:effectRef idx="0">
-          <a:scrgbClr r="0" g="0" b="0"/>
-        </a:effectRef>
-        <a:fontRef idx="minor">
-          <a:schemeClr val="lt1"/>
-        </a:fontRef>
-      </dsp:style>
-      <dsp:txBody>
-        <a:bodyPr spcFirstLastPara="0" vert="horz" wrap="square" lIns="551205" tIns="68580" rIns="68580" bIns="68580" numCol="1" spcCol="1270" anchor="ctr" anchorCtr="0">
-          <a:noAutofit/>
-        </a:bodyPr>
-        <a:lstStyle/>
-        <a:p>
-          <a:pPr lvl="0" algn="l" defTabSz="1200150" latinLnBrk="1">
-            <a:lnSpc>
-              <a:spcPct val="90000"/>
-            </a:lnSpc>
-            <a:spcBef>
-              <a:spcPct val="0"/>
-            </a:spcBef>
-            <a:spcAft>
-              <a:spcPct val="35000"/>
-            </a:spcAft>
-          </a:pPr>
-          <a:r>
-            <a:rPr lang="ko-KR" altLang="en-US" sz="2700" kern="1200" dirty="0" err="1" smtClean="0">
-              <a:solidFill>
-                <a:schemeClr val="tx1"/>
-              </a:solidFill>
-            </a:rPr>
-            <a:t>리뷰하기</a:t>
-          </a:r>
-          <a:r>
-            <a:rPr lang="ko-KR" altLang="en-US" sz="2700" kern="1200" dirty="0" smtClean="0">
-              <a:solidFill>
-                <a:schemeClr val="tx1"/>
-              </a:solidFill>
-            </a:rPr>
-            <a:t> 쉽게 만든다</a:t>
-          </a:r>
-          <a:r>
-            <a:rPr lang="en-US" altLang="ko-KR" sz="2700" kern="1200" dirty="0" smtClean="0">
-              <a:solidFill>
-                <a:schemeClr val="tx1"/>
-              </a:solidFill>
-            </a:rPr>
-            <a:t>.</a:t>
-          </a:r>
-          <a:endParaRPr lang="ko-KR" altLang="en-US" sz="2700" kern="1200" dirty="0">
-            <a:solidFill>
-              <a:schemeClr val="tx1"/>
-            </a:solidFill>
-          </a:endParaRPr>
-        </a:p>
-      </dsp:txBody>
-      <dsp:txXfrm>
-        <a:off x="484012" y="2430512"/>
-        <a:ext cx="5566148" cy="694432"/>
-      </dsp:txXfrm>
-    </dsp:sp>
-    <dsp:sp modelId="{0993E626-733F-4FB5-81D0-3304BE01C24E}">
-      <dsp:nvSpPr>
-        <dsp:cNvPr id="0" name=""/>
-        <dsp:cNvSpPr/>
-      </dsp:nvSpPr>
-      <dsp:spPr>
-        <a:xfrm>
-          <a:off x="49992" y="2343708"/>
-          <a:ext cx="868040" cy="868040"/>
-        </a:xfrm>
-        <a:prstGeom prst="ellipse">
-          <a:avLst/>
-        </a:prstGeom>
-        <a:solidFill>
-          <a:schemeClr val="lt1">
-            <a:hueOff val="0"/>
-            <a:satOff val="0"/>
-            <a:lumOff val="0"/>
-            <a:alphaOff val="0"/>
-          </a:schemeClr>
-        </a:solidFill>
-        <a:ln w="19050" cap="flat" cmpd="sng" algn="ctr">
-          <a:solidFill>
-            <a:schemeClr val="accent4">
-              <a:hueOff val="0"/>
-              <a:satOff val="0"/>
-              <a:lumOff val="0"/>
-              <a:alphaOff val="0"/>
-            </a:schemeClr>
-          </a:solidFill>
-          <a:prstDash val="solid"/>
-        </a:ln>
-        <a:effectLst/>
-      </dsp:spPr>
-      <dsp:style>
-        <a:lnRef idx="2">
-          <a:scrgbClr r="0" g="0" b="0"/>
-        </a:lnRef>
-        <a:fillRef idx="1">
-          <a:scrgbClr r="0" g="0" b="0"/>
-        </a:fillRef>
-        <a:effectRef idx="0">
-          <a:scrgbClr r="0" g="0" b="0"/>
-        </a:effectRef>
-        <a:fontRef idx="minor"/>
-      </dsp:style>
-    </dsp:sp>
   </dsp:spTree>
 </dsp:drawing>
 </file>
@@ -5925,258 +5234,6 @@
       <dsp:cNvGrpSpPr/>
     </dsp:nvGrpSpPr>
     <dsp:grpSpPr/>
-    <dsp:sp modelId="{FAF03B83-A590-40A0-8E2A-354D80D73D9A}">
-      <dsp:nvSpPr>
-        <dsp:cNvPr id="0" name=""/>
-        <dsp:cNvSpPr/>
-      </dsp:nvSpPr>
-      <dsp:spPr>
-        <a:xfrm>
-          <a:off x="262127" y="196275"/>
-          <a:ext cx="999744" cy="999744"/>
-        </a:xfrm>
-        <a:prstGeom prst="ellipse">
-          <a:avLst/>
-        </a:prstGeom>
-        <a:solidFill>
-          <a:schemeClr val="accent2">
-            <a:alpha val="50000"/>
-            <a:hueOff val="0"/>
-            <a:satOff val="0"/>
-            <a:lumOff val="0"/>
-            <a:alphaOff val="0"/>
-          </a:schemeClr>
-        </a:solidFill>
-        <a:ln w="19050" cap="flat" cmpd="sng" algn="ctr">
-          <a:solidFill>
-            <a:schemeClr val="lt1">
-              <a:hueOff val="0"/>
-              <a:satOff val="0"/>
-              <a:lumOff val="0"/>
-              <a:alphaOff val="0"/>
-            </a:schemeClr>
-          </a:solidFill>
-          <a:prstDash val="solid"/>
-        </a:ln>
-        <a:effectLst/>
-      </dsp:spPr>
-      <dsp:style>
-        <a:lnRef idx="2">
-          <a:scrgbClr r="0" g="0" b="0"/>
-        </a:lnRef>
-        <a:fillRef idx="1">
-          <a:scrgbClr r="0" g="0" b="0"/>
-        </a:fillRef>
-        <a:effectRef idx="0">
-          <a:scrgbClr r="0" g="0" b="0"/>
-        </a:effectRef>
-        <a:fontRef idx="minor">
-          <a:schemeClr val="tx1"/>
-        </a:fontRef>
-      </dsp:style>
-    </dsp:sp>
-    <dsp:sp modelId="{7F5075F5-34BB-4412-958B-AA326EC9F795}">
-      <dsp:nvSpPr>
-        <dsp:cNvPr id="0" name=""/>
-        <dsp:cNvSpPr/>
-      </dsp:nvSpPr>
-      <dsp:spPr>
-        <a:xfrm>
-          <a:off x="761999" y="196275"/>
-          <a:ext cx="5334000" cy="999744"/>
-        </a:xfrm>
-        <a:prstGeom prst="rect">
-          <a:avLst/>
-        </a:prstGeom>
-        <a:noFill/>
-        <a:ln>
-          <a:noFill/>
-        </a:ln>
-        <a:effectLst/>
-      </dsp:spPr>
-      <dsp:style>
-        <a:lnRef idx="0">
-          <a:scrgbClr r="0" g="0" b="0"/>
-        </a:lnRef>
-        <a:fillRef idx="0">
-          <a:scrgbClr r="0" g="0" b="0"/>
-        </a:fillRef>
-        <a:effectRef idx="0">
-          <a:scrgbClr r="0" g="0" b="0"/>
-        </a:effectRef>
-        <a:fontRef idx="minor"/>
-      </dsp:style>
-      <dsp:txBody>
-        <a:bodyPr spcFirstLastPara="0" vert="horz" wrap="square" lIns="0" tIns="40640" rIns="0" bIns="40640" numCol="1" spcCol="1270" anchor="ctr" anchorCtr="0">
-          <a:noAutofit/>
-        </a:bodyPr>
-        <a:lstStyle/>
-        <a:p>
-          <a:pPr lvl="0" algn="l" defTabSz="1422400" latinLnBrk="1">
-            <a:lnSpc>
-              <a:spcPct val="90000"/>
-            </a:lnSpc>
-            <a:spcBef>
-              <a:spcPct val="0"/>
-            </a:spcBef>
-            <a:spcAft>
-              <a:spcPct val="35000"/>
-            </a:spcAft>
-          </a:pPr>
-          <a:r>
-            <a:rPr lang="ko-KR" altLang="en-US" sz="3200" kern="1200" dirty="0" smtClean="0">
-              <a:solidFill>
-                <a:schemeClr val="tx1"/>
-              </a:solidFill>
-            </a:rPr>
-            <a:t>버그를 발견하기 쉽게 만든다</a:t>
-          </a:r>
-          <a:r>
-            <a:rPr lang="en-US" altLang="ko-KR" sz="3200" kern="1200" dirty="0" smtClean="0">
-              <a:solidFill>
-                <a:schemeClr val="tx1"/>
-              </a:solidFill>
-            </a:rPr>
-            <a:t>.</a:t>
-          </a:r>
-          <a:endParaRPr lang="ko-KR" altLang="en-US" sz="3200" kern="1200" dirty="0">
-            <a:solidFill>
-              <a:schemeClr val="tx1"/>
-            </a:solidFill>
-          </a:endParaRPr>
-        </a:p>
-      </dsp:txBody>
-      <dsp:txXfrm>
-        <a:off x="761999" y="196275"/>
-        <a:ext cx="5334000" cy="999744"/>
-      </dsp:txXfrm>
-    </dsp:sp>
-    <dsp:sp modelId="{ADC74182-3205-40FD-8C82-B173FE7D21A5}">
-      <dsp:nvSpPr>
-        <dsp:cNvPr id="0" name=""/>
-        <dsp:cNvSpPr/>
-      </dsp:nvSpPr>
-      <dsp:spPr>
-        <a:xfrm>
-          <a:off x="262127" y="1196020"/>
-          <a:ext cx="999744" cy="999744"/>
-        </a:xfrm>
-        <a:prstGeom prst="ellipse">
-          <a:avLst/>
-        </a:prstGeom>
-        <a:solidFill>
-          <a:schemeClr val="accent3">
-            <a:alpha val="50000"/>
-            <a:hueOff val="0"/>
-            <a:satOff val="0"/>
-            <a:lumOff val="0"/>
-            <a:alphaOff val="0"/>
-          </a:schemeClr>
-        </a:solidFill>
-        <a:ln w="19050" cap="flat" cmpd="sng" algn="ctr">
-          <a:solidFill>
-            <a:schemeClr val="lt1">
-              <a:hueOff val="0"/>
-              <a:satOff val="0"/>
-              <a:lumOff val="0"/>
-              <a:alphaOff val="0"/>
-            </a:schemeClr>
-          </a:solidFill>
-          <a:prstDash val="solid"/>
-        </a:ln>
-        <a:effectLst/>
-      </dsp:spPr>
-      <dsp:style>
-        <a:lnRef idx="2">
-          <a:scrgbClr r="0" g="0" b="0"/>
-        </a:lnRef>
-        <a:fillRef idx="1">
-          <a:scrgbClr r="0" g="0" b="0"/>
-        </a:fillRef>
-        <a:effectRef idx="0">
-          <a:scrgbClr r="0" g="0" b="0"/>
-        </a:effectRef>
-        <a:fontRef idx="minor">
-          <a:schemeClr val="tx1"/>
-        </a:fontRef>
-      </dsp:style>
-    </dsp:sp>
-    <dsp:sp modelId="{BD7A304D-7661-4607-8CD1-BA6E0C02FE8F}">
-      <dsp:nvSpPr>
-        <dsp:cNvPr id="0" name=""/>
-        <dsp:cNvSpPr/>
-      </dsp:nvSpPr>
-      <dsp:spPr>
-        <a:xfrm>
-          <a:off x="761999" y="1196020"/>
-          <a:ext cx="5334000" cy="999744"/>
-        </a:xfrm>
-        <a:prstGeom prst="rect">
-          <a:avLst/>
-        </a:prstGeom>
-        <a:noFill/>
-        <a:ln>
-          <a:noFill/>
-        </a:ln>
-        <a:effectLst/>
-      </dsp:spPr>
-      <dsp:style>
-        <a:lnRef idx="0">
-          <a:scrgbClr r="0" g="0" b="0"/>
-        </a:lnRef>
-        <a:fillRef idx="0">
-          <a:scrgbClr r="0" g="0" b="0"/>
-        </a:fillRef>
-        <a:effectRef idx="0">
-          <a:scrgbClr r="0" g="0" b="0"/>
-        </a:effectRef>
-        <a:fontRef idx="minor"/>
-      </dsp:style>
-      <dsp:txBody>
-        <a:bodyPr spcFirstLastPara="0" vert="horz" wrap="square" lIns="0" tIns="40640" rIns="0" bIns="40640" numCol="1" spcCol="1270" anchor="ctr" anchorCtr="0">
-          <a:noAutofit/>
-        </a:bodyPr>
-        <a:lstStyle/>
-        <a:p>
-          <a:pPr lvl="0" algn="l" defTabSz="1422400" latinLnBrk="1">
-            <a:lnSpc>
-              <a:spcPct val="90000"/>
-            </a:lnSpc>
-            <a:spcBef>
-              <a:spcPct val="0"/>
-            </a:spcBef>
-            <a:spcAft>
-              <a:spcPct val="35000"/>
-            </a:spcAft>
-          </a:pPr>
-          <a:r>
-            <a:rPr lang="ko-KR" altLang="en-US" sz="3200" kern="1200" dirty="0" smtClean="0">
-              <a:solidFill>
-                <a:schemeClr val="tx1"/>
-              </a:solidFill>
-            </a:rPr>
-            <a:t>기능을 추가하기 쉽게 만든다</a:t>
-          </a:r>
-          <a:r>
-            <a:rPr lang="en-US" altLang="ko-KR" sz="3200" kern="1200" dirty="0" smtClean="0">
-              <a:solidFill>
-                <a:schemeClr val="tx1"/>
-              </a:solidFill>
-            </a:rPr>
-            <a:t>.</a:t>
-          </a:r>
-          <a:endParaRPr lang="ko-KR" altLang="en-US" sz="3200" kern="1200" dirty="0">
-            <a:solidFill>
-              <a:schemeClr val="tx1"/>
-            </a:solidFill>
-          </a:endParaRPr>
-        </a:p>
-      </dsp:txBody>
-      <dsp:txXfrm>
-        <a:off x="761999" y="1196020"/>
-        <a:ext cx="5334000" cy="999744"/>
-      </dsp:txXfrm>
-    </dsp:sp>
   </dsp:spTree>
 </dsp:drawing>
 </file>
@@ -17084,6 +16141,935 @@
           <a:bodyPr/>
           <a:lstStyle/>
           <a:p>
+            <a:r>
+              <a:rPr lang="ko-KR" altLang="en-US" dirty="0" smtClean="0"/>
+              <a:t>매직 넘버를 써서는 </a:t>
+            </a:r>
+            <a:r>
+              <a:rPr lang="ko-KR" altLang="en-US" dirty="0" err="1" smtClean="0"/>
+              <a:t>안되는</a:t>
+            </a:r>
+            <a:r>
+              <a:rPr lang="ko-KR" altLang="en-US" dirty="0" smtClean="0"/>
+              <a:t> 이유</a:t>
+            </a:r>
+            <a:endParaRPr lang="en-US" altLang="ko-KR" dirty="0" smtClean="0"/>
+          </a:p>
+          <a:p>
+            <a:endParaRPr lang="en-US" altLang="ko-KR" dirty="0" smtClean="0"/>
+          </a:p>
+          <a:p>
+            <a:pPr lvl="1"/>
+            <a:r>
+              <a:rPr lang="ko-KR" altLang="en-US" dirty="0" smtClean="0"/>
+              <a:t>매직 넘버의 의미를 알기 어렵다</a:t>
+            </a:r>
+            <a:r>
+              <a:rPr lang="en-US" altLang="ko-KR" dirty="0" smtClean="0"/>
+              <a:t>.</a:t>
+            </a:r>
+          </a:p>
+          <a:p>
+            <a:pPr lvl="2"/>
+            <a:r>
+              <a:rPr lang="en-US" altLang="ko-KR" dirty="0" smtClean="0"/>
+              <a:t>100 		</a:t>
+            </a:r>
+            <a:r>
+              <a:rPr lang="ko-KR" altLang="en-US" dirty="0" smtClean="0"/>
+              <a:t>매직 넘버</a:t>
+            </a:r>
+            <a:r>
+              <a:rPr lang="en-US" altLang="ko-KR" dirty="0" smtClean="0"/>
+              <a:t>(</a:t>
+            </a:r>
+            <a:r>
+              <a:rPr lang="ko-KR" altLang="en-US" dirty="0" smtClean="0"/>
+              <a:t>의미를 알기 어려움</a:t>
+            </a:r>
+            <a:r>
+              <a:rPr lang="en-US" altLang="ko-KR" dirty="0" smtClean="0"/>
+              <a:t>)</a:t>
+            </a:r>
+          </a:p>
+          <a:p>
+            <a:pPr lvl="2"/>
+            <a:r>
+              <a:rPr lang="en-US" altLang="ko-KR" dirty="0" smtClean="0"/>
+              <a:t>MAX_INPUT_LENGTH	</a:t>
+            </a:r>
+            <a:r>
+              <a:rPr lang="ko-KR" altLang="en-US" dirty="0" smtClean="0"/>
+              <a:t>기호 상수</a:t>
+            </a:r>
+            <a:r>
+              <a:rPr lang="en-US" altLang="ko-KR" dirty="0" smtClean="0"/>
+              <a:t>(</a:t>
+            </a:r>
+            <a:r>
+              <a:rPr lang="ko-KR" altLang="en-US" dirty="0" smtClean="0"/>
+              <a:t>의미를 알기 쉬움</a:t>
+            </a:r>
+            <a:r>
+              <a:rPr lang="en-US" altLang="ko-KR" dirty="0" smtClean="0"/>
+              <a:t>)</a:t>
+            </a:r>
+          </a:p>
+          <a:p>
+            <a:pPr lvl="2"/>
+            <a:endParaRPr lang="en-US" altLang="ko-KR" dirty="0" smtClean="0"/>
+          </a:p>
+          <a:p>
+            <a:pPr lvl="1"/>
+            <a:r>
+              <a:rPr lang="ko-KR" altLang="en-US" dirty="0" smtClean="0"/>
+              <a:t>매직 넘버는 수정하기 어렵다</a:t>
+            </a:r>
+            <a:r>
+              <a:rPr lang="en-US" altLang="ko-KR" dirty="0" smtClean="0"/>
+              <a:t>.</a:t>
+            </a:r>
+          </a:p>
+          <a:p>
+            <a:pPr lvl="2"/>
+            <a:r>
+              <a:rPr lang="en-US" altLang="ko-KR" dirty="0" smtClean="0"/>
+              <a:t>100</a:t>
+            </a:r>
+            <a:r>
+              <a:rPr lang="ko-KR" altLang="en-US" dirty="0" smtClean="0"/>
+              <a:t>이 </a:t>
+            </a:r>
+            <a:r>
+              <a:rPr lang="en-US" altLang="ko-KR" dirty="0" smtClean="0"/>
+              <a:t>200</a:t>
+            </a:r>
+            <a:r>
+              <a:rPr lang="ko-KR" altLang="en-US" dirty="0" smtClean="0"/>
+              <a:t>으로 변경될 경우 단순히 </a:t>
+            </a:r>
+            <a:r>
+              <a:rPr lang="en-US" altLang="ko-KR" dirty="0" smtClean="0"/>
+              <a:t>100</a:t>
+            </a:r>
+            <a:r>
+              <a:rPr lang="ko-KR" altLang="en-US" dirty="0" smtClean="0"/>
+              <a:t>을 </a:t>
+            </a:r>
+            <a:r>
+              <a:rPr lang="en-US" altLang="ko-KR" dirty="0" smtClean="0"/>
+              <a:t>200</a:t>
+            </a:r>
+            <a:r>
+              <a:rPr lang="ko-KR" altLang="en-US" dirty="0" smtClean="0"/>
+              <a:t>으로 치환할 수 없음</a:t>
+            </a:r>
+            <a:r>
+              <a:rPr lang="en-US" altLang="ko-KR" dirty="0" smtClean="0"/>
+              <a:t>.</a:t>
+            </a:r>
+            <a:r>
+              <a:rPr lang="ko-KR" altLang="en-US" dirty="0"/>
+              <a:t> </a:t>
+            </a:r>
+            <a:r>
+              <a:rPr lang="en-US" altLang="ko-KR" dirty="0" smtClean="0"/>
+              <a:t>100</a:t>
+            </a:r>
+            <a:r>
+              <a:rPr lang="ko-KR" altLang="en-US" dirty="0" smtClean="0"/>
+              <a:t>이라고 적힌 모든 숫자가 단순히 최대 입력길이를 뜻하는 </a:t>
+            </a:r>
+            <a:r>
+              <a:rPr lang="en-US" altLang="ko-KR" dirty="0" smtClean="0"/>
+              <a:t>100</a:t>
+            </a:r>
+            <a:r>
+              <a:rPr lang="ko-KR" altLang="en-US" dirty="0" smtClean="0"/>
+              <a:t>인지 알 </a:t>
+            </a:r>
+            <a:r>
+              <a:rPr lang="ko-KR" altLang="en-US" dirty="0" err="1" smtClean="0"/>
+              <a:t>수없음</a:t>
+            </a:r>
+            <a:r>
+              <a:rPr lang="en-US" altLang="ko-KR" dirty="0" smtClean="0"/>
+              <a:t>.</a:t>
+            </a:r>
+          </a:p>
+        </p:txBody>
+      </p:sp>
+    </p:spTree>
+    <p:extLst>
+      <p:ext uri="{BB962C8B-B14F-4D97-AF65-F5344CB8AC3E}">
+        <p14:creationId xmlns:p14="http://schemas.microsoft.com/office/powerpoint/2010/main" val="1503755884"/>
+      </p:ext>
+    </p:extLst>
+  </p:cSld>
+  <p:clrMapOvr>
+    <a:masterClrMapping/>
+  </p:clrMapOvr>
+  <p:timing>
+    <p:tnLst>
+      <p:par>
+        <p:cTn id="1" dur="indefinite" restart="never" nodeType="tmRoot"/>
+      </p:par>
+    </p:tnLst>
+  </p:timing>
+</p:sld>
+</file>
+
+<file path=ppt/slides/slide14.xml><?xml version="1.0" encoding="utf-8"?>
+<p:sld xmlns:a="http://schemas.openxmlformats.org/drawingml/2006/main" xmlns:r="http://schemas.openxmlformats.org/officeDocument/2006/relationships" xmlns:p="http://schemas.openxmlformats.org/presentationml/2006/main">
+  <p:cSld>
+    <p:spTree>
+      <p:nvGrpSpPr>
+        <p:cNvPr id="1" name=""/>
+        <p:cNvGrpSpPr/>
+        <p:nvPr/>
+      </p:nvGrpSpPr>
+      <p:grpSpPr>
+        <a:xfrm>
+          <a:off x="0" y="0"/>
+          <a:ext cx="0" cy="0"/>
+          <a:chOff x="0" y="0"/>
+          <a:chExt cx="0" cy="0"/>
+        </a:xfrm>
+      </p:grpSpPr>
+      <p:sp>
+        <p:nvSpPr>
+          <p:cNvPr id="2" name="제목 1"/>
+          <p:cNvSpPr>
+            <a:spLocks noGrp="1"/>
+          </p:cNvSpPr>
+          <p:nvPr>
+            <p:ph type="title"/>
+          </p:nvPr>
+        </p:nvSpPr>
+        <p:spPr/>
+        <p:txBody>
+          <a:bodyPr/>
+          <a:lstStyle/>
+          <a:p>
+            <a:r>
+              <a:rPr lang="ko-KR" altLang="en-US" sz="2000" dirty="0"/>
+              <a:t>매직 넘버를 기호 상수로 </a:t>
+            </a:r>
+            <a:r>
+              <a:rPr lang="ko-KR" altLang="en-US" sz="2000" dirty="0" smtClean="0"/>
+              <a:t>치환 </a:t>
+            </a:r>
+            <a:r>
+              <a:rPr lang="en-US" altLang="ko-KR" sz="1400" dirty="0" smtClean="0"/>
+              <a:t>(</a:t>
+            </a:r>
+            <a:r>
+              <a:rPr lang="en-US" altLang="ko-KR" sz="1400" b="1" dirty="0"/>
+              <a:t>Replace Magic Number with Symbolic </a:t>
+            </a:r>
+            <a:r>
+              <a:rPr lang="en-US" altLang="ko-KR" sz="1400" b="1" dirty="0" smtClean="0"/>
+              <a:t>Constant)</a:t>
+            </a:r>
+            <a:endParaRPr lang="ko-KR" altLang="en-US" sz="1400" dirty="0"/>
+          </a:p>
+        </p:txBody>
+      </p:sp>
+      <p:sp>
+        <p:nvSpPr>
+          <p:cNvPr id="3" name="슬라이드 번호 개체 틀 2"/>
+          <p:cNvSpPr>
+            <a:spLocks noGrp="1"/>
+          </p:cNvSpPr>
+          <p:nvPr>
+            <p:ph type="sldNum" sz="quarter" idx="12"/>
+          </p:nvPr>
+        </p:nvSpPr>
+        <p:spPr/>
+        <p:txBody>
+          <a:bodyPr/>
+          <a:lstStyle/>
+          <a:p>
+            <a:fld id="{5D5799DF-C675-4523-97F9-45888B647E6A}" type="slidenum">
+              <a:rPr lang="ko-KR" altLang="en-US" smtClean="0"/>
+              <a:t>14</a:t>
+            </a:fld>
+            <a:endParaRPr lang="ko-KR" altLang="en-US" dirty="0"/>
+          </a:p>
+        </p:txBody>
+      </p:sp>
+      <p:sp>
+        <p:nvSpPr>
+          <p:cNvPr id="4" name="내용 개체 틀 3"/>
+          <p:cNvSpPr>
+            <a:spLocks noGrp="1"/>
+          </p:cNvSpPr>
+          <p:nvPr>
+            <p:ph sz="quarter" idx="1"/>
+          </p:nvPr>
+        </p:nvSpPr>
+        <p:spPr/>
+        <p:txBody>
+          <a:bodyPr/>
+          <a:lstStyle/>
+          <a:p>
+            <a:r>
+              <a:rPr lang="ko-KR" altLang="en-US" dirty="0" smtClean="0"/>
+              <a:t>매직 넘버를 기호 상수로 치환 후 전형적인 코드 변화</a:t>
+            </a:r>
+            <a:endParaRPr lang="en-US" altLang="ko-KR" dirty="0" smtClean="0"/>
+          </a:p>
+        </p:txBody>
+      </p:sp>
+      <p:sp>
+        <p:nvSpPr>
+          <p:cNvPr id="7" name="Rectangle 2"/>
+          <p:cNvSpPr>
+            <a:spLocks noChangeArrowheads="1"/>
+          </p:cNvSpPr>
+          <p:nvPr/>
+        </p:nvSpPr>
+        <p:spPr bwMode="auto">
+          <a:xfrm>
+            <a:off x="1011024" y="1096961"/>
+            <a:ext cx="5318410" cy="1033120"/>
+          </a:xfrm>
+          <a:prstGeom prst="roundRect">
+            <a:avLst/>
+          </a:prstGeom>
+          <a:ln/>
+        </p:spPr>
+        <p:style>
+          <a:lnRef idx="2">
+            <a:schemeClr val="accent2"/>
+          </a:lnRef>
+          <a:fillRef idx="1">
+            <a:schemeClr val="lt1"/>
+          </a:fillRef>
+          <a:effectRef idx="0">
+            <a:schemeClr val="accent2"/>
+          </a:effectRef>
+          <a:fontRef idx="minor">
+            <a:schemeClr val="dk1"/>
+          </a:fontRef>
+        </p:style>
+        <p:txBody>
+          <a:bodyPr vert="horz" wrap="none" lIns="0" tIns="0" rIns="0" bIns="0" numCol="1" anchor="ctr" anchorCtr="0" compatLnSpc="1">
+            <a:prstTxWarp prst="textNoShape">
+              <a:avLst/>
+            </a:prstTxWarp>
+            <a:spAutoFit/>
+          </a:bodyPr>
+          <a:lstStyle/>
+          <a:p>
+            <a:pPr>
+              <a:lnSpc>
+                <a:spcPct val="150000"/>
+              </a:lnSpc>
+            </a:pPr>
+            <a:r>
+              <a:rPr lang="en-US" altLang="ko-KR" sz="1400" b="1" dirty="0">
+                <a:solidFill>
+                  <a:srgbClr val="7F0055"/>
+                </a:solidFill>
+                <a:latin typeface="Consolas" panose="020B0609020204030204" pitchFamily="49" charset="0"/>
+              </a:rPr>
+              <a:t>double</a:t>
+            </a:r>
+            <a:r>
+              <a:rPr lang="en-US" altLang="ko-KR" sz="1400" b="1" dirty="0">
+                <a:solidFill>
+                  <a:srgbClr val="000000"/>
+                </a:solidFill>
+                <a:latin typeface="Consolas" panose="020B0609020204030204" pitchFamily="49" charset="0"/>
+              </a:rPr>
+              <a:t> </a:t>
+            </a:r>
+            <a:r>
+              <a:rPr lang="en-US" altLang="ko-KR" sz="1400" b="1" dirty="0" err="1">
+                <a:solidFill>
+                  <a:srgbClr val="000000"/>
+                </a:solidFill>
+                <a:latin typeface="Consolas" panose="020B0609020204030204" pitchFamily="49" charset="0"/>
+              </a:rPr>
+              <a:t>potentialEnergy</a:t>
+            </a:r>
+            <a:r>
+              <a:rPr lang="en-US" altLang="ko-KR" sz="1400" b="1" dirty="0">
+                <a:solidFill>
+                  <a:srgbClr val="000000"/>
+                </a:solidFill>
+                <a:latin typeface="Consolas" panose="020B0609020204030204" pitchFamily="49" charset="0"/>
+              </a:rPr>
+              <a:t>(</a:t>
+            </a:r>
+            <a:r>
+              <a:rPr lang="en-US" altLang="ko-KR" sz="1400" b="1" dirty="0">
+                <a:solidFill>
+                  <a:srgbClr val="7F0055"/>
+                </a:solidFill>
+                <a:latin typeface="Consolas" panose="020B0609020204030204" pitchFamily="49" charset="0"/>
+              </a:rPr>
+              <a:t>double</a:t>
+            </a:r>
+            <a:r>
+              <a:rPr lang="en-US" altLang="ko-KR" sz="1400" b="1" dirty="0">
+                <a:solidFill>
+                  <a:srgbClr val="000000"/>
+                </a:solidFill>
+                <a:latin typeface="Consolas" panose="020B0609020204030204" pitchFamily="49" charset="0"/>
+              </a:rPr>
+              <a:t> </a:t>
+            </a:r>
+            <a:r>
+              <a:rPr lang="en-US" altLang="ko-KR" sz="1400" b="1" dirty="0">
+                <a:solidFill>
+                  <a:srgbClr val="6A3E3E"/>
+                </a:solidFill>
+                <a:latin typeface="Consolas" panose="020B0609020204030204" pitchFamily="49" charset="0"/>
+              </a:rPr>
+              <a:t>mass</a:t>
+            </a:r>
+            <a:r>
+              <a:rPr lang="en-US" altLang="ko-KR" sz="1400" b="1" dirty="0">
+                <a:solidFill>
+                  <a:srgbClr val="000000"/>
+                </a:solidFill>
+                <a:latin typeface="Consolas" panose="020B0609020204030204" pitchFamily="49" charset="0"/>
+              </a:rPr>
+              <a:t>, </a:t>
+            </a:r>
+            <a:r>
+              <a:rPr lang="en-US" altLang="ko-KR" sz="1400" b="1" dirty="0">
+                <a:solidFill>
+                  <a:srgbClr val="7F0055"/>
+                </a:solidFill>
+                <a:latin typeface="Consolas" panose="020B0609020204030204" pitchFamily="49" charset="0"/>
+              </a:rPr>
+              <a:t>double</a:t>
+            </a:r>
+            <a:r>
+              <a:rPr lang="en-US" altLang="ko-KR" sz="1400" b="1" dirty="0">
+                <a:solidFill>
+                  <a:srgbClr val="000000"/>
+                </a:solidFill>
+                <a:latin typeface="Consolas" panose="020B0609020204030204" pitchFamily="49" charset="0"/>
+              </a:rPr>
+              <a:t> </a:t>
+            </a:r>
+            <a:r>
+              <a:rPr lang="en-US" altLang="ko-KR" sz="1400" b="1" dirty="0">
+                <a:solidFill>
+                  <a:srgbClr val="6A3E3E"/>
+                </a:solidFill>
+                <a:latin typeface="Consolas" panose="020B0609020204030204" pitchFamily="49" charset="0"/>
+              </a:rPr>
+              <a:t>height</a:t>
+            </a:r>
+            <a:r>
+              <a:rPr lang="en-US" altLang="ko-KR" sz="1400" b="1" dirty="0">
+                <a:solidFill>
+                  <a:srgbClr val="000000"/>
+                </a:solidFill>
+                <a:latin typeface="Consolas" panose="020B0609020204030204" pitchFamily="49" charset="0"/>
+              </a:rPr>
+              <a:t>) { </a:t>
+            </a:r>
+          </a:p>
+          <a:p>
+            <a:pPr>
+              <a:lnSpc>
+                <a:spcPct val="150000"/>
+              </a:lnSpc>
+            </a:pPr>
+            <a:r>
+              <a:rPr lang="en-US" altLang="ko-KR" sz="1400" dirty="0">
+                <a:solidFill>
+                  <a:srgbClr val="000000"/>
+                </a:solidFill>
+                <a:latin typeface="Consolas" panose="020B0609020204030204" pitchFamily="49" charset="0"/>
+              </a:rPr>
+              <a:t>    </a:t>
+            </a:r>
+            <a:r>
+              <a:rPr lang="en-US" altLang="ko-KR" sz="1400" b="1" dirty="0">
+                <a:solidFill>
+                  <a:srgbClr val="7F0055"/>
+                </a:solidFill>
+                <a:latin typeface="Consolas" panose="020B0609020204030204" pitchFamily="49" charset="0"/>
+              </a:rPr>
+              <a:t>return</a:t>
+            </a:r>
+            <a:r>
+              <a:rPr lang="en-US" altLang="ko-KR" sz="1400" b="1" dirty="0">
+                <a:solidFill>
+                  <a:srgbClr val="000000"/>
+                </a:solidFill>
+                <a:latin typeface="Consolas" panose="020B0609020204030204" pitchFamily="49" charset="0"/>
+              </a:rPr>
+              <a:t> </a:t>
+            </a:r>
+            <a:r>
+              <a:rPr lang="en-US" altLang="ko-KR" sz="1400" b="1" dirty="0">
+                <a:solidFill>
+                  <a:srgbClr val="6A3E3E"/>
+                </a:solidFill>
+                <a:latin typeface="Consolas" panose="020B0609020204030204" pitchFamily="49" charset="0"/>
+              </a:rPr>
+              <a:t>mass</a:t>
+            </a:r>
+            <a:r>
+              <a:rPr lang="en-US" altLang="ko-KR" sz="1400" b="1" dirty="0">
+                <a:solidFill>
+                  <a:srgbClr val="000000"/>
+                </a:solidFill>
+                <a:latin typeface="Consolas" panose="020B0609020204030204" pitchFamily="49" charset="0"/>
+              </a:rPr>
+              <a:t> * </a:t>
+            </a:r>
+            <a:r>
+              <a:rPr lang="en-US" altLang="ko-KR" sz="1400" b="1" dirty="0">
+                <a:solidFill>
+                  <a:srgbClr val="6A3E3E"/>
+                </a:solidFill>
+                <a:latin typeface="Consolas" panose="020B0609020204030204" pitchFamily="49" charset="0"/>
+              </a:rPr>
+              <a:t>height</a:t>
+            </a:r>
+            <a:r>
+              <a:rPr lang="en-US" altLang="ko-KR" sz="1400" b="1" dirty="0">
+                <a:solidFill>
+                  <a:srgbClr val="000000"/>
+                </a:solidFill>
+                <a:latin typeface="Consolas" panose="020B0609020204030204" pitchFamily="49" charset="0"/>
+              </a:rPr>
+              <a:t> * 9.81; </a:t>
+            </a:r>
+          </a:p>
+          <a:p>
+            <a:pPr>
+              <a:lnSpc>
+                <a:spcPct val="150000"/>
+              </a:lnSpc>
+            </a:pPr>
+            <a:r>
+              <a:rPr lang="en-US" altLang="ko-KR" sz="1400" dirty="0">
+                <a:solidFill>
+                  <a:srgbClr val="000000"/>
+                </a:solidFill>
+                <a:latin typeface="Consolas" panose="020B0609020204030204" pitchFamily="49" charset="0"/>
+              </a:rPr>
+              <a:t>} </a:t>
+            </a:r>
+            <a:endParaRPr kumimoji="0" lang="ko-KR" altLang="ko-KR" sz="3200" b="0" i="0" u="none" strike="noStrike" cap="none" normalizeH="0" baseline="0" dirty="0" smtClean="0">
+              <a:ln>
+                <a:noFill/>
+              </a:ln>
+              <a:solidFill>
+                <a:schemeClr val="tx1"/>
+              </a:solidFill>
+              <a:effectLst/>
+              <a:latin typeface="Arial" panose="020B0604020202020204" pitchFamily="34" charset="0"/>
+            </a:endParaRPr>
+          </a:p>
+        </p:txBody>
+      </p:sp>
+      <p:sp>
+        <p:nvSpPr>
+          <p:cNvPr id="8" name="Rectangle 3"/>
+          <p:cNvSpPr>
+            <a:spLocks noChangeArrowheads="1"/>
+          </p:cNvSpPr>
+          <p:nvPr/>
+        </p:nvSpPr>
+        <p:spPr bwMode="auto">
+          <a:xfrm>
+            <a:off x="960081" y="2724471"/>
+            <a:ext cx="5420296" cy="1787723"/>
+          </a:xfrm>
+          <a:prstGeom prst="roundRect">
+            <a:avLst/>
+          </a:prstGeom>
+          <a:ln/>
+        </p:spPr>
+        <p:style>
+          <a:lnRef idx="2">
+            <a:schemeClr val="accent2"/>
+          </a:lnRef>
+          <a:fillRef idx="1">
+            <a:schemeClr val="lt1"/>
+          </a:fillRef>
+          <a:effectRef idx="0">
+            <a:schemeClr val="accent2"/>
+          </a:effectRef>
+          <a:fontRef idx="minor">
+            <a:schemeClr val="dk1"/>
+          </a:fontRef>
+        </p:style>
+        <p:txBody>
+          <a:bodyPr vert="horz" wrap="none" lIns="0" tIns="0" rIns="0" bIns="0" numCol="1" anchor="ctr" anchorCtr="0" compatLnSpc="1">
+            <a:prstTxWarp prst="textNoShape">
+              <a:avLst/>
+            </a:prstTxWarp>
+            <a:spAutoFit/>
+          </a:bodyPr>
+          <a:lstStyle/>
+          <a:p>
+            <a:pPr>
+              <a:lnSpc>
+                <a:spcPct val="150000"/>
+              </a:lnSpc>
+            </a:pPr>
+            <a:r>
+              <a:rPr lang="en-US" altLang="ko-KR" sz="1400" b="1" dirty="0">
+                <a:solidFill>
+                  <a:srgbClr val="7F0055"/>
+                </a:solidFill>
+                <a:latin typeface="Consolas" panose="020B0609020204030204" pitchFamily="49" charset="0"/>
+              </a:rPr>
+              <a:t>double</a:t>
+            </a:r>
+            <a:r>
+              <a:rPr lang="en-US" altLang="ko-KR" sz="1400" b="1" dirty="0">
+                <a:solidFill>
+                  <a:srgbClr val="000000"/>
+                </a:solidFill>
+                <a:latin typeface="Consolas" panose="020B0609020204030204" pitchFamily="49" charset="0"/>
+              </a:rPr>
+              <a:t> </a:t>
+            </a:r>
+            <a:r>
+              <a:rPr lang="en-US" altLang="ko-KR" sz="1400" b="1" dirty="0" err="1">
+                <a:solidFill>
+                  <a:srgbClr val="000000"/>
+                </a:solidFill>
+                <a:latin typeface="Consolas" panose="020B0609020204030204" pitchFamily="49" charset="0"/>
+              </a:rPr>
+              <a:t>potentialEnergy</a:t>
+            </a:r>
+            <a:r>
+              <a:rPr lang="en-US" altLang="ko-KR" sz="1400" b="1" dirty="0">
+                <a:solidFill>
+                  <a:srgbClr val="000000"/>
+                </a:solidFill>
+                <a:latin typeface="Consolas" panose="020B0609020204030204" pitchFamily="49" charset="0"/>
+              </a:rPr>
+              <a:t>(</a:t>
+            </a:r>
+            <a:r>
+              <a:rPr lang="en-US" altLang="ko-KR" sz="1400" b="1" dirty="0">
+                <a:solidFill>
+                  <a:srgbClr val="7F0055"/>
+                </a:solidFill>
+                <a:latin typeface="Consolas" panose="020B0609020204030204" pitchFamily="49" charset="0"/>
+              </a:rPr>
+              <a:t>double</a:t>
+            </a:r>
+            <a:r>
+              <a:rPr lang="en-US" altLang="ko-KR" sz="1400" b="1" dirty="0">
+                <a:solidFill>
+                  <a:srgbClr val="000000"/>
+                </a:solidFill>
+                <a:latin typeface="Consolas" panose="020B0609020204030204" pitchFamily="49" charset="0"/>
+              </a:rPr>
+              <a:t> </a:t>
+            </a:r>
+            <a:r>
+              <a:rPr lang="en-US" altLang="ko-KR" sz="1400" b="1" dirty="0">
+                <a:solidFill>
+                  <a:srgbClr val="6A3E3E"/>
+                </a:solidFill>
+                <a:latin typeface="Consolas" panose="020B0609020204030204" pitchFamily="49" charset="0"/>
+              </a:rPr>
+              <a:t>mass</a:t>
+            </a:r>
+            <a:r>
+              <a:rPr lang="en-US" altLang="ko-KR" sz="1400" b="1" dirty="0">
+                <a:solidFill>
+                  <a:srgbClr val="000000"/>
+                </a:solidFill>
+                <a:latin typeface="Consolas" panose="020B0609020204030204" pitchFamily="49" charset="0"/>
+              </a:rPr>
+              <a:t>, </a:t>
+            </a:r>
+            <a:r>
+              <a:rPr lang="en-US" altLang="ko-KR" sz="1400" b="1" dirty="0">
+                <a:solidFill>
+                  <a:srgbClr val="7F0055"/>
+                </a:solidFill>
+                <a:latin typeface="Consolas" panose="020B0609020204030204" pitchFamily="49" charset="0"/>
+              </a:rPr>
+              <a:t>double</a:t>
+            </a:r>
+            <a:r>
+              <a:rPr lang="en-US" altLang="ko-KR" sz="1400" b="1" dirty="0">
+                <a:solidFill>
+                  <a:srgbClr val="000000"/>
+                </a:solidFill>
+                <a:latin typeface="Consolas" panose="020B0609020204030204" pitchFamily="49" charset="0"/>
+              </a:rPr>
+              <a:t> </a:t>
+            </a:r>
+            <a:r>
+              <a:rPr lang="en-US" altLang="ko-KR" sz="1400" b="1" dirty="0">
+                <a:solidFill>
+                  <a:srgbClr val="6A3E3E"/>
+                </a:solidFill>
+                <a:latin typeface="Consolas" panose="020B0609020204030204" pitchFamily="49" charset="0"/>
+              </a:rPr>
+              <a:t>height</a:t>
+            </a:r>
+            <a:r>
+              <a:rPr lang="en-US" altLang="ko-KR" sz="1400" b="1" dirty="0">
+                <a:solidFill>
+                  <a:srgbClr val="000000"/>
+                </a:solidFill>
+                <a:latin typeface="Consolas" panose="020B0609020204030204" pitchFamily="49" charset="0"/>
+              </a:rPr>
+              <a:t>) { </a:t>
+            </a:r>
+          </a:p>
+          <a:p>
+            <a:pPr>
+              <a:lnSpc>
+                <a:spcPct val="150000"/>
+              </a:lnSpc>
+            </a:pPr>
+            <a:r>
+              <a:rPr lang="en-US" altLang="ko-KR" sz="1400" dirty="0">
+                <a:solidFill>
+                  <a:srgbClr val="000000"/>
+                </a:solidFill>
+                <a:latin typeface="Consolas" panose="020B0609020204030204" pitchFamily="49" charset="0"/>
+              </a:rPr>
+              <a:t>    </a:t>
+            </a:r>
+            <a:r>
+              <a:rPr lang="en-US" altLang="ko-KR" sz="1400" b="1" dirty="0">
+                <a:solidFill>
+                  <a:srgbClr val="7F0055"/>
+                </a:solidFill>
+                <a:latin typeface="Consolas" panose="020B0609020204030204" pitchFamily="49" charset="0"/>
+              </a:rPr>
+              <a:t>return</a:t>
+            </a:r>
+            <a:r>
+              <a:rPr lang="en-US" altLang="ko-KR" sz="1400" b="1" dirty="0">
+                <a:solidFill>
+                  <a:srgbClr val="000000"/>
+                </a:solidFill>
+                <a:latin typeface="Consolas" panose="020B0609020204030204" pitchFamily="49" charset="0"/>
+              </a:rPr>
+              <a:t> </a:t>
+            </a:r>
+            <a:r>
+              <a:rPr lang="en-US" altLang="ko-KR" sz="1400" b="1" dirty="0">
+                <a:solidFill>
+                  <a:srgbClr val="6A3E3E"/>
+                </a:solidFill>
+                <a:latin typeface="Consolas" panose="020B0609020204030204" pitchFamily="49" charset="0"/>
+              </a:rPr>
+              <a:t>mass</a:t>
+            </a:r>
+            <a:r>
+              <a:rPr lang="en-US" altLang="ko-KR" sz="1400" b="1" dirty="0">
+                <a:solidFill>
+                  <a:srgbClr val="000000"/>
+                </a:solidFill>
+                <a:latin typeface="Consolas" panose="020B0609020204030204" pitchFamily="49" charset="0"/>
+              </a:rPr>
+              <a:t> * </a:t>
+            </a:r>
+            <a:r>
+              <a:rPr lang="en-US" altLang="ko-KR" sz="1400" b="1" i="1" dirty="0">
+                <a:solidFill>
+                  <a:srgbClr val="0000C0"/>
+                </a:solidFill>
+                <a:latin typeface="Consolas" panose="020B0609020204030204" pitchFamily="49" charset="0"/>
+              </a:rPr>
+              <a:t>GRAVITATIONAL_CONSTANT</a:t>
+            </a:r>
+            <a:r>
+              <a:rPr lang="en-US" altLang="ko-KR" sz="1400" b="1" i="1" dirty="0">
+                <a:solidFill>
+                  <a:srgbClr val="000000"/>
+                </a:solidFill>
+                <a:latin typeface="Consolas" panose="020B0609020204030204" pitchFamily="49" charset="0"/>
+              </a:rPr>
+              <a:t> * </a:t>
+            </a:r>
+            <a:r>
+              <a:rPr lang="en-US" altLang="ko-KR" sz="1400" b="1" i="1" dirty="0">
+                <a:solidFill>
+                  <a:srgbClr val="6A3E3E"/>
+                </a:solidFill>
+                <a:latin typeface="Consolas" panose="020B0609020204030204" pitchFamily="49" charset="0"/>
+              </a:rPr>
+              <a:t>height</a:t>
+            </a:r>
+            <a:r>
+              <a:rPr lang="en-US" altLang="ko-KR" sz="1400" b="1" i="1" dirty="0">
+                <a:solidFill>
+                  <a:srgbClr val="000000"/>
+                </a:solidFill>
+                <a:latin typeface="Consolas" panose="020B0609020204030204" pitchFamily="49" charset="0"/>
+              </a:rPr>
+              <a:t>; </a:t>
+            </a:r>
+          </a:p>
+          <a:p>
+            <a:pPr>
+              <a:lnSpc>
+                <a:spcPct val="150000"/>
+              </a:lnSpc>
+            </a:pPr>
+            <a:r>
+              <a:rPr lang="en-US" altLang="ko-KR" sz="1400" dirty="0">
+                <a:solidFill>
+                  <a:srgbClr val="000000"/>
+                </a:solidFill>
+                <a:latin typeface="Consolas" panose="020B0609020204030204" pitchFamily="49" charset="0"/>
+              </a:rPr>
+              <a:t>} </a:t>
+            </a:r>
+          </a:p>
+          <a:p>
+            <a:pPr>
+              <a:lnSpc>
+                <a:spcPct val="150000"/>
+              </a:lnSpc>
+            </a:pPr>
+            <a:endParaRPr lang="ko-KR" altLang="en-US" sz="1400" dirty="0">
+              <a:latin typeface="Consolas" panose="020B0609020204030204" pitchFamily="49" charset="0"/>
+            </a:endParaRPr>
+          </a:p>
+          <a:p>
+            <a:pPr>
+              <a:lnSpc>
+                <a:spcPct val="150000"/>
+              </a:lnSpc>
+            </a:pPr>
+            <a:r>
+              <a:rPr lang="en-US" altLang="ko-KR" sz="1400" b="1" dirty="0">
+                <a:solidFill>
+                  <a:srgbClr val="7F0055"/>
+                </a:solidFill>
+                <a:latin typeface="Consolas" panose="020B0609020204030204" pitchFamily="49" charset="0"/>
+              </a:rPr>
+              <a:t>static</a:t>
+            </a:r>
+            <a:r>
+              <a:rPr lang="en-US" altLang="ko-KR" sz="1400" b="1" dirty="0">
+                <a:solidFill>
+                  <a:srgbClr val="000000"/>
+                </a:solidFill>
+                <a:latin typeface="Consolas" panose="020B0609020204030204" pitchFamily="49" charset="0"/>
+              </a:rPr>
+              <a:t> </a:t>
+            </a:r>
+            <a:r>
+              <a:rPr lang="en-US" altLang="ko-KR" sz="1400" b="1" dirty="0">
+                <a:solidFill>
+                  <a:srgbClr val="7F0055"/>
+                </a:solidFill>
+                <a:latin typeface="Consolas" panose="020B0609020204030204" pitchFamily="49" charset="0"/>
+              </a:rPr>
+              <a:t>final</a:t>
+            </a:r>
+            <a:r>
+              <a:rPr lang="en-US" altLang="ko-KR" sz="1400" b="1" dirty="0">
+                <a:solidFill>
+                  <a:srgbClr val="000000"/>
+                </a:solidFill>
+                <a:latin typeface="Consolas" panose="020B0609020204030204" pitchFamily="49" charset="0"/>
+              </a:rPr>
+              <a:t> </a:t>
+            </a:r>
+            <a:r>
+              <a:rPr lang="en-US" altLang="ko-KR" sz="1400" b="1" dirty="0">
+                <a:solidFill>
+                  <a:srgbClr val="7F0055"/>
+                </a:solidFill>
+                <a:latin typeface="Consolas" panose="020B0609020204030204" pitchFamily="49" charset="0"/>
+              </a:rPr>
+              <a:t>double</a:t>
+            </a:r>
+            <a:r>
+              <a:rPr lang="en-US" altLang="ko-KR" sz="1400" b="1" dirty="0">
+                <a:solidFill>
+                  <a:srgbClr val="000000"/>
+                </a:solidFill>
+                <a:latin typeface="Consolas" panose="020B0609020204030204" pitchFamily="49" charset="0"/>
+              </a:rPr>
+              <a:t> </a:t>
+            </a:r>
+            <a:r>
+              <a:rPr lang="en-US" altLang="ko-KR" sz="1400" b="1" i="1" dirty="0">
+                <a:solidFill>
+                  <a:srgbClr val="0000C0"/>
+                </a:solidFill>
+                <a:latin typeface="Consolas" panose="020B0609020204030204" pitchFamily="49" charset="0"/>
+              </a:rPr>
+              <a:t>GRAVITATIONAL_CONSTANT</a:t>
+            </a:r>
+            <a:r>
+              <a:rPr lang="en-US" altLang="ko-KR" sz="1400" b="1" i="1" dirty="0">
+                <a:solidFill>
+                  <a:srgbClr val="000000"/>
+                </a:solidFill>
+                <a:latin typeface="Consolas" panose="020B0609020204030204" pitchFamily="49" charset="0"/>
+              </a:rPr>
+              <a:t> = 9.81; </a:t>
+            </a:r>
+            <a:endParaRPr kumimoji="0" lang="ko-KR" altLang="ko-KR" sz="3200" b="0" i="0" u="none" strike="noStrike" cap="none" normalizeH="0" baseline="0" dirty="0" smtClean="0">
+              <a:ln>
+                <a:noFill/>
+              </a:ln>
+              <a:solidFill>
+                <a:schemeClr val="tx1"/>
+              </a:solidFill>
+              <a:effectLst/>
+              <a:latin typeface="Arial" panose="020B0604020202020204" pitchFamily="34" charset="0"/>
+            </a:endParaRPr>
+          </a:p>
+        </p:txBody>
+      </p:sp>
+      <p:sp>
+        <p:nvSpPr>
+          <p:cNvPr id="9" name="아래쪽 화살표 8"/>
+          <p:cNvSpPr/>
+          <p:nvPr/>
+        </p:nvSpPr>
+        <p:spPr>
+          <a:xfrm>
+            <a:off x="3490209" y="2239949"/>
+            <a:ext cx="360040" cy="378997"/>
+          </a:xfrm>
+          <a:prstGeom prst="downArrow">
+            <a:avLst/>
+          </a:prstGeom>
+        </p:spPr>
+        <p:style>
+          <a:lnRef idx="2">
+            <a:schemeClr val="accent1">
+              <a:shade val="50000"/>
+            </a:schemeClr>
+          </a:lnRef>
+          <a:fillRef idx="1">
+            <a:schemeClr val="accent1"/>
+          </a:fillRef>
+          <a:effectRef idx="0">
+            <a:schemeClr val="accent1"/>
+          </a:effectRef>
+          <a:fontRef idx="minor">
+            <a:schemeClr val="lt1"/>
+          </a:fontRef>
+        </p:style>
+        <p:txBody>
+          <a:bodyPr rtlCol="0" anchor="ctr"/>
+          <a:lstStyle/>
+          <a:p>
+            <a:pPr algn="ctr"/>
             <a:endParaRPr lang="ko-KR" altLang="en-US"/>
           </a:p>
         </p:txBody>
@@ -17091,7 +17077,7 @@
     </p:spTree>
     <p:extLst>
       <p:ext uri="{BB962C8B-B14F-4D97-AF65-F5344CB8AC3E}">
-        <p14:creationId xmlns:p14="http://schemas.microsoft.com/office/powerpoint/2010/main" val="1503755884"/>
+        <p14:creationId xmlns:p14="http://schemas.microsoft.com/office/powerpoint/2010/main" val="996764944"/>
       </p:ext>
     </p:extLst>
   </p:cSld>
@@ -22631,7 +22617,7 @@
   <a:extraClrSchemeLst/>
   <a:extLst>
     <a:ext uri="{05A4C25C-085E-4340-85A3-A5531E510DB2}">
-      <thm15:themeFamily xmlns="" xmlns:thm15="http://schemas.microsoft.com/office/thememl/2012/main" name="MyThemeVer02" id="{EAEA7853-247F-4D97-A84F-8F51B6AE0C79}" vid="{207CACDA-2039-457E-A6A7-FFA31EE9EFC2}"/>
+      <thm15:themeFamily xmlns:thm15="http://schemas.microsoft.com/office/thememl/2012/main" name="MyThemeVer02" id="{EAEA7853-247F-4D97-A84F-8F51B6AE0C79}" vid="{207CACDA-2039-457E-A6A7-FFA31EE9EFC2}"/>
     </a:ext>
   </a:extLst>
 </a:theme>
